--- a/project/starlux-aod/航班準時率分析程式使用說明.pptx
+++ b/project/starlux-aod/航班準時率分析程式使用說明.pptx
@@ -5,20 +5,27 @@
     <p:sldMasterId id="2147483648" r:id="rId1"/>
   </p:sldMasterIdLst>
   <p:notesMasterIdLst>
-    <p:notesMasterId r:id="rId14"/>
+    <p:notesMasterId r:id="rId21"/>
   </p:notesMasterIdLst>
   <p:sldIdLst>
     <p:sldId id="256" r:id="rId3"/>
-    <p:sldId id="274" r:id="rId4"/>
-    <p:sldId id="292" r:id="rId5"/>
-    <p:sldId id="293" r:id="rId6"/>
-    <p:sldId id="294" r:id="rId7"/>
-    <p:sldId id="295" r:id="rId8"/>
-    <p:sldId id="296" r:id="rId9"/>
-    <p:sldId id="297" r:id="rId10"/>
-    <p:sldId id="298" r:id="rId11"/>
-    <p:sldId id="299" r:id="rId12"/>
-    <p:sldId id="300" r:id="rId13"/>
+    <p:sldId id="306" r:id="rId4"/>
+    <p:sldId id="274" r:id="rId5"/>
+    <p:sldId id="301" r:id="rId6"/>
+    <p:sldId id="302" r:id="rId7"/>
+    <p:sldId id="293" r:id="rId8"/>
+    <p:sldId id="294" r:id="rId9"/>
+    <p:sldId id="303" r:id="rId10"/>
+    <p:sldId id="296" r:id="rId11"/>
+    <p:sldId id="297" r:id="rId12"/>
+    <p:sldId id="298" r:id="rId13"/>
+    <p:sldId id="299" r:id="rId14"/>
+    <p:sldId id="307" r:id="rId15"/>
+    <p:sldId id="308" r:id="rId16"/>
+    <p:sldId id="305" r:id="rId17"/>
+    <p:sldId id="310" r:id="rId18"/>
+    <p:sldId id="309" r:id="rId19"/>
+    <p:sldId id="311" r:id="rId20"/>
   </p:sldIdLst>
   <p:sldSz cx="12192000" cy="6858000"/>
   <p:notesSz cx="6858000" cy="9144000"/>
@@ -3390,7 +3397,7 @@
           <a:p>
             <a:r>
               <a:rPr lang="en-US"/>
-              <a:t>Updated on Dec 26, 2023</a:t>
+              <a:t>Updated on Jan 17, 2024</a:t>
             </a:r>
             <a:endParaRPr lang="en-US"/>
           </a:p>
@@ -3416,7 +3423,7 @@
       <p:grpSpPr/>
       <p:pic>
         <p:nvPicPr>
-          <p:cNvPr id="4" name="Content Placeholder 3"/>
+          <p:cNvPr id="3" name="Content Placeholder 2"/>
           <p:cNvPicPr>
             <a:picLocks noChangeAspect="1"/>
           </p:cNvPicPr>
@@ -3433,13 +3440,67 @@
         <p:spPr>
           <a:xfrm>
             <a:off x="0" y="0"/>
-            <a:ext cx="12192000" cy="6858635"/>
+            <a:ext cx="12191365" cy="6858000"/>
           </a:xfrm>
           <a:prstGeom prst="rect">
             <a:avLst/>
           </a:prstGeom>
         </p:spPr>
       </p:pic>
+      <p:sp>
+        <p:nvSpPr>
+          <p:cNvPr id="11" name="Rectangles 10"/>
+          <p:cNvSpPr/>
+          <p:nvPr/>
+        </p:nvSpPr>
+        <p:spPr>
+          <a:xfrm>
+            <a:off x="276225" y="755015"/>
+            <a:ext cx="1850390" cy="1375410"/>
+          </a:xfrm>
+          <a:prstGeom prst="rect">
+            <a:avLst/>
+          </a:prstGeom>
+          <a:noFill/>
+          <a:ln w="28575">
+            <a:solidFill>
+              <a:srgbClr val="FF0000"/>
+            </a:solidFill>
+          </a:ln>
+          <a:extLst>
+            <a:ext uri="{909E8E84-426E-40DD-AFC4-6F175D3DCCD1}">
+              <a14:hiddenFill xmlns:a14="http://schemas.microsoft.com/office/drawing/2010/main">
+                <a:solidFill>
+                  <a:schemeClr val="accent1"/>
+                </a:solidFill>
+              </a14:hiddenFill>
+            </a:ext>
+          </a:extLst>
+        </p:spPr>
+        <p:style>
+          <a:lnRef idx="2">
+            <a:schemeClr val="accent1">
+              <a:lumMod val="75000"/>
+            </a:schemeClr>
+          </a:lnRef>
+          <a:fillRef idx="1">
+            <a:schemeClr val="accent1"/>
+          </a:fillRef>
+          <a:effectRef idx="0">
+            <a:srgbClr val="FFFFFF"/>
+          </a:effectRef>
+          <a:fontRef idx="minor">
+            <a:schemeClr val="lt1"/>
+          </a:fontRef>
+        </p:style>
+        <p:txBody>
+          <a:bodyPr rtlCol="0" anchor="ctr"/>
+          <a:p>
+            <a:pPr algn="ctr"/>
+            <a:endParaRPr lang="en-US"/>
+          </a:p>
+        </p:txBody>
+      </p:sp>
       <p:cxnSp>
         <p:nvCxnSpPr>
           <p:cNvPr id="18" name="Straight Arrow Connector 17"/>
@@ -3447,9 +3508,9 @@
           <p:nvPr/>
         </p:nvCxnSpPr>
         <p:spPr>
-          <a:xfrm flipV="1">
-            <a:off x="10565130" y="1718310"/>
-            <a:ext cx="7620" cy="954405"/>
+          <a:xfrm flipH="1" flipV="1">
+            <a:off x="1556385" y="2143760"/>
+            <a:ext cx="6985" cy="1123950"/>
           </a:xfrm>
           <a:prstGeom prst="straightConnector1">
             <a:avLst/>
@@ -3484,8 +3545,8 @@
         </p:nvSpPr>
         <p:spPr>
           <a:xfrm>
-            <a:off x="9539605" y="2672715"/>
-            <a:ext cx="2058035" cy="368300"/>
+            <a:off x="276225" y="3267710"/>
+            <a:ext cx="1850390" cy="1198880"/>
           </a:xfrm>
           <a:prstGeom prst="rect">
             <a:avLst/>
@@ -3503,7 +3564,15 @@
                   <a:srgbClr val="FF0000"/>
                 </a:solidFill>
               </a:rPr>
-              <a:t>滑鼠點一下可放大</a:t>
+              <a:t>剛剛輸出的資料在這邊，有圖跟表，雙點擊可打開來看</a:t>
+            </a:r>
+            <a:r>
+              <a:rPr lang="zh-TW" altLang="en-US">
+                <a:solidFill>
+                  <a:srgbClr val="FF0000"/>
+                </a:solidFill>
+              </a:rPr>
+              <a:t>。</a:t>
             </a:r>
             <a:endParaRPr lang="zh-TW" altLang="en-US">
               <a:solidFill>
@@ -3533,7 +3602,7 @@
       <p:grpSpPr/>
       <p:pic>
         <p:nvPicPr>
-          <p:cNvPr id="4" name="Content Placeholder 3"/>
+          <p:cNvPr id="7" name="Content Placeholder 6"/>
           <p:cNvPicPr>
             <a:picLocks noChangeAspect="1"/>
           </p:cNvPicPr>
@@ -3550,7 +3619,7 @@
         <p:spPr>
           <a:xfrm>
             <a:off x="0" y="0"/>
-            <a:ext cx="12192000" cy="6858635"/>
+            <a:ext cx="12191365" cy="6858000"/>
           </a:xfrm>
           <a:prstGeom prst="rect">
             <a:avLst/>
@@ -3565,8 +3634,8 @@
         </p:nvSpPr>
         <p:spPr>
           <a:xfrm>
-            <a:off x="1955800" y="1471930"/>
-            <a:ext cx="255905" cy="255905"/>
+            <a:off x="5351780" y="4085590"/>
+            <a:ext cx="1021715" cy="182880"/>
           </a:xfrm>
           <a:prstGeom prst="rect">
             <a:avLst/>
@@ -3613,14 +3682,14 @@
       </p:sp>
       <p:cxnSp>
         <p:nvCxnSpPr>
-          <p:cNvPr id="2" name="Straight Arrow Connector 1"/>
+          <p:cNvPr id="18" name="Straight Arrow Connector 17"/>
           <p:cNvCxnSpPr/>
           <p:nvPr/>
         </p:nvCxnSpPr>
         <p:spPr>
-          <a:xfrm flipH="1" flipV="1">
-            <a:off x="2099945" y="1731645"/>
-            <a:ext cx="7620" cy="1354455"/>
+          <a:xfrm flipV="1">
+            <a:off x="5862955" y="4268470"/>
+            <a:ext cx="3175" cy="692785"/>
           </a:xfrm>
           <a:prstGeom prst="straightConnector1">
             <a:avLst/>
@@ -3649,13 +3718,13 @@
       </p:cxnSp>
       <p:sp>
         <p:nvSpPr>
-          <p:cNvPr id="3" name="Text Box 2"/>
+          <p:cNvPr id="19" name="Text Box 18"/>
           <p:cNvSpPr txBox="1"/>
           <p:nvPr/>
         </p:nvSpPr>
         <p:spPr>
           <a:xfrm>
-            <a:off x="367030" y="3086100"/>
+            <a:off x="5351780" y="4961255"/>
             <a:ext cx="2876550" cy="368300"/>
           </a:xfrm>
           <a:prstGeom prst="rect">
@@ -3674,13 +3743,1644 @@
                   <a:srgbClr val="FF0000"/>
                 </a:solidFill>
               </a:rPr>
-              <a:t>按這邊有下載選項</a:t>
+              <a:t>可以調整每一頁顯示筆數</a:t>
+            </a:r>
+            <a:r>
+              <a:rPr lang="zh-TW" altLang="en-US">
+                <a:solidFill>
+                  <a:srgbClr val="FF0000"/>
+                </a:solidFill>
+              </a:rPr>
+              <a:t>。</a:t>
             </a:r>
             <a:endParaRPr lang="zh-TW" altLang="en-US">
               <a:solidFill>
                 <a:srgbClr val="FF0000"/>
               </a:solidFill>
             </a:endParaRPr>
+          </a:p>
+        </p:txBody>
+      </p:sp>
+      <p:sp>
+        <p:nvSpPr>
+          <p:cNvPr id="9" name="Rectangles 8"/>
+          <p:cNvSpPr/>
+          <p:nvPr/>
+        </p:nvSpPr>
+        <p:spPr>
+          <a:xfrm>
+            <a:off x="1955800" y="1166495"/>
+            <a:ext cx="255905" cy="255905"/>
+          </a:xfrm>
+          <a:prstGeom prst="rect">
+            <a:avLst/>
+          </a:prstGeom>
+          <a:noFill/>
+          <a:ln w="28575">
+            <a:solidFill>
+              <a:srgbClr val="FF0000"/>
+            </a:solidFill>
+          </a:ln>
+          <a:extLst>
+            <a:ext uri="{909E8E84-426E-40DD-AFC4-6F175D3DCCD1}">
+              <a14:hiddenFill xmlns:a14="http://schemas.microsoft.com/office/drawing/2010/main">
+                <a:solidFill>
+                  <a:schemeClr val="accent1"/>
+                </a:solidFill>
+              </a14:hiddenFill>
+            </a:ext>
+          </a:extLst>
+        </p:spPr>
+        <p:style>
+          <a:lnRef idx="2">
+            <a:schemeClr val="accent1">
+              <a:lumMod val="75000"/>
+            </a:schemeClr>
+          </a:lnRef>
+          <a:fillRef idx="1">
+            <a:schemeClr val="accent1"/>
+          </a:fillRef>
+          <a:effectRef idx="0">
+            <a:srgbClr val="FFFFFF"/>
+          </a:effectRef>
+          <a:fontRef idx="minor">
+            <a:schemeClr val="lt1"/>
+          </a:fontRef>
+        </p:style>
+        <p:txBody>
+          <a:bodyPr rtlCol="0" anchor="ctr"/>
+          <a:p>
+            <a:pPr algn="ctr"/>
+            <a:endParaRPr lang="en-US"/>
+          </a:p>
+        </p:txBody>
+      </p:sp>
+      <p:cxnSp>
+        <p:nvCxnSpPr>
+          <p:cNvPr id="10" name="Straight Arrow Connector 9"/>
+          <p:cNvCxnSpPr/>
+          <p:nvPr/>
+        </p:nvCxnSpPr>
+        <p:spPr>
+          <a:xfrm flipH="1" flipV="1">
+            <a:off x="2099945" y="1426210"/>
+            <a:ext cx="7620" cy="1354455"/>
+          </a:xfrm>
+          <a:prstGeom prst="straightConnector1">
+            <a:avLst/>
+          </a:prstGeom>
+          <a:ln>
+            <a:solidFill>
+              <a:srgbClr val="FF0000"/>
+            </a:solidFill>
+            <a:tailEnd type="arrow"/>
+          </a:ln>
+        </p:spPr>
+        <p:style>
+          <a:lnRef idx="2">
+            <a:schemeClr val="accent1"/>
+          </a:lnRef>
+          <a:fillRef idx="0">
+            <a:srgbClr val="FFFFFF"/>
+          </a:fillRef>
+          <a:effectRef idx="0">
+            <a:srgbClr val="FFFFFF"/>
+          </a:effectRef>
+          <a:fontRef idx="minor">
+            <a:schemeClr val="tx1"/>
+          </a:fontRef>
+        </p:style>
+      </p:cxnSp>
+      <p:sp>
+        <p:nvSpPr>
+          <p:cNvPr id="12" name="Text Box 11"/>
+          <p:cNvSpPr txBox="1"/>
+          <p:nvPr/>
+        </p:nvSpPr>
+        <p:spPr>
+          <a:xfrm>
+            <a:off x="367030" y="2780665"/>
+            <a:ext cx="2876550" cy="368300"/>
+          </a:xfrm>
+          <a:prstGeom prst="rect">
+            <a:avLst/>
+          </a:prstGeom>
+          <a:noFill/>
+        </p:spPr>
+        <p:txBody>
+          <a:bodyPr wrap="square" rtlCol="0">
+            <a:spAutoFit/>
+          </a:bodyPr>
+          <a:p>
+            <a:r>
+              <a:rPr lang="zh-TW" altLang="en-US">
+                <a:solidFill>
+                  <a:srgbClr val="FF0000"/>
+                </a:solidFill>
+              </a:rPr>
+              <a:t>按這邊有下載選項</a:t>
+            </a:r>
+            <a:endParaRPr lang="zh-TW" altLang="en-US">
+              <a:solidFill>
+                <a:srgbClr val="FF0000"/>
+              </a:solidFill>
+            </a:endParaRPr>
+          </a:p>
+        </p:txBody>
+      </p:sp>
+    </p:spTree>
+  </p:cSld>
+  <p:clrMapOvr>
+    <a:masterClrMapping/>
+  </p:clrMapOvr>
+</p:sld>
+</file>
+
+<file path=ppt/slides/slide12.xml><?xml version="1.0" encoding="utf-8"?>
+<p:sld xmlns:a="http://schemas.openxmlformats.org/drawingml/2006/main" xmlns:r="http://schemas.openxmlformats.org/officeDocument/2006/relationships" xmlns:p="http://schemas.openxmlformats.org/presentationml/2006/main">
+  <p:cSld>
+    <p:spTree>
+      <p:nvGrpSpPr>
+        <p:cNvPr id="1" name=""/>
+        <p:cNvGrpSpPr/>
+        <p:nvPr/>
+      </p:nvGrpSpPr>
+      <p:grpSpPr/>
+      <p:pic>
+        <p:nvPicPr>
+          <p:cNvPr id="7" name="Content Placeholder 6"/>
+          <p:cNvPicPr>
+            <a:picLocks noChangeAspect="1"/>
+          </p:cNvPicPr>
+          <p:nvPr>
+            <p:ph idx="1"/>
+          </p:nvPr>
+        </p:nvPicPr>
+        <p:blipFill>
+          <a:blip r:embed="rId1"/>
+          <a:stretch>
+            <a:fillRect/>
+          </a:stretch>
+        </p:blipFill>
+        <p:spPr>
+          <a:xfrm>
+            <a:off x="0" y="0"/>
+            <a:ext cx="12189460" cy="6857365"/>
+          </a:xfrm>
+          <a:prstGeom prst="rect">
+            <a:avLst/>
+          </a:prstGeom>
+        </p:spPr>
+      </p:pic>
+      <p:cxnSp>
+        <p:nvCxnSpPr>
+          <p:cNvPr id="18" name="Straight Arrow Connector 17"/>
+          <p:cNvCxnSpPr/>
+          <p:nvPr/>
+        </p:nvCxnSpPr>
+        <p:spPr>
+          <a:xfrm flipV="1">
+            <a:off x="8320405" y="2781935"/>
+            <a:ext cx="7620" cy="954405"/>
+          </a:xfrm>
+          <a:prstGeom prst="straightConnector1">
+            <a:avLst/>
+          </a:prstGeom>
+          <a:ln>
+            <a:solidFill>
+              <a:srgbClr val="FF0000"/>
+            </a:solidFill>
+            <a:tailEnd type="arrow"/>
+          </a:ln>
+        </p:spPr>
+        <p:style>
+          <a:lnRef idx="2">
+            <a:schemeClr val="accent1"/>
+          </a:lnRef>
+          <a:fillRef idx="0">
+            <a:srgbClr val="FFFFFF"/>
+          </a:fillRef>
+          <a:effectRef idx="0">
+            <a:srgbClr val="FFFFFF"/>
+          </a:effectRef>
+          <a:fontRef idx="minor">
+            <a:schemeClr val="tx1"/>
+          </a:fontRef>
+        </p:style>
+      </p:cxnSp>
+      <p:sp>
+        <p:nvSpPr>
+          <p:cNvPr id="19" name="Text Box 18"/>
+          <p:cNvSpPr txBox="1"/>
+          <p:nvPr/>
+        </p:nvSpPr>
+        <p:spPr>
+          <a:xfrm>
+            <a:off x="7294880" y="3736340"/>
+            <a:ext cx="2955925" cy="368300"/>
+          </a:xfrm>
+          <a:prstGeom prst="rect">
+            <a:avLst/>
+          </a:prstGeom>
+          <a:noFill/>
+        </p:spPr>
+        <p:txBody>
+          <a:bodyPr wrap="square" rtlCol="0">
+            <a:spAutoFit/>
+          </a:bodyPr>
+          <a:p>
+            <a:r>
+              <a:rPr lang="zh-TW" altLang="en-US">
+                <a:solidFill>
+                  <a:srgbClr val="FF0000"/>
+                </a:solidFill>
+              </a:rPr>
+              <a:t>滑鼠點一下</a:t>
+            </a:r>
+            <a:r>
+              <a:rPr lang="zh-TW" altLang="en-US">
+                <a:solidFill>
+                  <a:srgbClr val="FF0000"/>
+                </a:solidFill>
+              </a:rPr>
+              <a:t>圖可放大</a:t>
+            </a:r>
+            <a:r>
+              <a:rPr lang="zh-TW" altLang="en-US">
+                <a:solidFill>
+                  <a:srgbClr val="FF0000"/>
+                </a:solidFill>
+              </a:rPr>
+              <a:t>。</a:t>
+            </a:r>
+            <a:endParaRPr lang="zh-TW" altLang="en-US">
+              <a:solidFill>
+                <a:srgbClr val="FF0000"/>
+              </a:solidFill>
+            </a:endParaRPr>
+          </a:p>
+        </p:txBody>
+      </p:sp>
+      <p:sp>
+        <p:nvSpPr>
+          <p:cNvPr id="11" name="Rectangles 10"/>
+          <p:cNvSpPr/>
+          <p:nvPr/>
+        </p:nvSpPr>
+        <p:spPr>
+          <a:xfrm>
+            <a:off x="1955800" y="1315085"/>
+            <a:ext cx="255905" cy="255905"/>
+          </a:xfrm>
+          <a:prstGeom prst="rect">
+            <a:avLst/>
+          </a:prstGeom>
+          <a:noFill/>
+          <a:ln w="28575">
+            <a:solidFill>
+              <a:srgbClr val="FF0000"/>
+            </a:solidFill>
+          </a:ln>
+          <a:extLst>
+            <a:ext uri="{909E8E84-426E-40DD-AFC4-6F175D3DCCD1}">
+              <a14:hiddenFill xmlns:a14="http://schemas.microsoft.com/office/drawing/2010/main">
+                <a:solidFill>
+                  <a:schemeClr val="accent1"/>
+                </a:solidFill>
+              </a14:hiddenFill>
+            </a:ext>
+          </a:extLst>
+        </p:spPr>
+        <p:style>
+          <a:lnRef idx="2">
+            <a:schemeClr val="accent1">
+              <a:lumMod val="75000"/>
+            </a:schemeClr>
+          </a:lnRef>
+          <a:fillRef idx="1">
+            <a:schemeClr val="accent1"/>
+          </a:fillRef>
+          <a:effectRef idx="0">
+            <a:srgbClr val="FFFFFF"/>
+          </a:effectRef>
+          <a:fontRef idx="minor">
+            <a:schemeClr val="lt1"/>
+          </a:fontRef>
+        </p:style>
+        <p:txBody>
+          <a:bodyPr rtlCol="0" anchor="ctr"/>
+          <a:p>
+            <a:pPr algn="ctr"/>
+            <a:endParaRPr lang="en-US"/>
+          </a:p>
+        </p:txBody>
+      </p:sp>
+      <p:cxnSp>
+        <p:nvCxnSpPr>
+          <p:cNvPr id="9" name="Straight Arrow Connector 8"/>
+          <p:cNvCxnSpPr/>
+          <p:nvPr/>
+        </p:nvCxnSpPr>
+        <p:spPr>
+          <a:xfrm flipH="1" flipV="1">
+            <a:off x="2099945" y="1574800"/>
+            <a:ext cx="7620" cy="1354455"/>
+          </a:xfrm>
+          <a:prstGeom prst="straightConnector1">
+            <a:avLst/>
+          </a:prstGeom>
+          <a:ln>
+            <a:solidFill>
+              <a:srgbClr val="FF0000"/>
+            </a:solidFill>
+            <a:tailEnd type="arrow"/>
+          </a:ln>
+        </p:spPr>
+        <p:style>
+          <a:lnRef idx="2">
+            <a:schemeClr val="accent1"/>
+          </a:lnRef>
+          <a:fillRef idx="0">
+            <a:srgbClr val="FFFFFF"/>
+          </a:fillRef>
+          <a:effectRef idx="0">
+            <a:srgbClr val="FFFFFF"/>
+          </a:effectRef>
+          <a:fontRef idx="minor">
+            <a:schemeClr val="tx1"/>
+          </a:fontRef>
+        </p:style>
+      </p:cxnSp>
+      <p:sp>
+        <p:nvSpPr>
+          <p:cNvPr id="10" name="Text Box 9"/>
+          <p:cNvSpPr txBox="1"/>
+          <p:nvPr/>
+        </p:nvSpPr>
+        <p:spPr>
+          <a:xfrm>
+            <a:off x="367030" y="2929255"/>
+            <a:ext cx="2876550" cy="368300"/>
+          </a:xfrm>
+          <a:prstGeom prst="rect">
+            <a:avLst/>
+          </a:prstGeom>
+          <a:noFill/>
+        </p:spPr>
+        <p:txBody>
+          <a:bodyPr wrap="square" rtlCol="0">
+            <a:spAutoFit/>
+          </a:bodyPr>
+          <a:p>
+            <a:r>
+              <a:rPr lang="zh-TW" altLang="en-US">
+                <a:solidFill>
+                  <a:srgbClr val="FF0000"/>
+                </a:solidFill>
+              </a:rPr>
+              <a:t>按這邊有下載選項</a:t>
+            </a:r>
+            <a:endParaRPr lang="zh-TW" altLang="en-US">
+              <a:solidFill>
+                <a:srgbClr val="FF0000"/>
+              </a:solidFill>
+            </a:endParaRPr>
+          </a:p>
+        </p:txBody>
+      </p:sp>
+    </p:spTree>
+  </p:cSld>
+  <p:clrMapOvr>
+    <a:masterClrMapping/>
+  </p:clrMapOvr>
+</p:sld>
+</file>
+
+<file path=ppt/slides/slide13.xml><?xml version="1.0" encoding="utf-8"?>
+<p:sld xmlns:a="http://schemas.openxmlformats.org/drawingml/2006/main" xmlns:r="http://schemas.openxmlformats.org/officeDocument/2006/relationships" xmlns:p="http://schemas.openxmlformats.org/presentationml/2006/main">
+  <p:cSld>
+    <p:spTree>
+      <p:nvGrpSpPr>
+        <p:cNvPr id="1" name=""/>
+        <p:cNvGrpSpPr/>
+        <p:nvPr/>
+      </p:nvGrpSpPr>
+      <p:grpSpPr/>
+      <p:pic>
+        <p:nvPicPr>
+          <p:cNvPr id="3" name="Content Placeholder 2" descr="Untitled"/>
+          <p:cNvPicPr>
+            <a:picLocks noChangeAspect="1"/>
+          </p:cNvPicPr>
+          <p:nvPr>
+            <p:ph idx="1"/>
+          </p:nvPr>
+        </p:nvPicPr>
+        <p:blipFill>
+          <a:blip r:embed="rId1"/>
+          <a:stretch>
+            <a:fillRect/>
+          </a:stretch>
+        </p:blipFill>
+        <p:spPr>
+          <a:xfrm>
+            <a:off x="838200" y="2248535"/>
+            <a:ext cx="10515600" cy="3505200"/>
+          </a:xfrm>
+          <a:prstGeom prst="rect">
+            <a:avLst/>
+          </a:prstGeom>
+        </p:spPr>
+      </p:pic>
+      <p:sp>
+        <p:nvSpPr>
+          <p:cNvPr id="5" name="Title 4"/>
+          <p:cNvSpPr>
+            <a:spLocks noGrp="1"/>
+          </p:cNvSpPr>
+          <p:nvPr>
+            <p:ph type="title"/>
+          </p:nvPr>
+        </p:nvSpPr>
+        <p:spPr/>
+        <p:txBody>
+          <a:bodyPr/>
+          <a:p>
+            <a:r>
+              <a:rPr lang="zh-TW" altLang="en-US"/>
+              <a:t>時分析</a:t>
+            </a:r>
+            <a:r>
+              <a:rPr lang="zh-TW" altLang="en-US"/>
+              <a:t>直方圖</a:t>
+            </a:r>
+            <a:endParaRPr lang="zh-TW" altLang="en-US"/>
+          </a:p>
+        </p:txBody>
+      </p:sp>
+      <p:sp>
+        <p:nvSpPr>
+          <p:cNvPr id="19" name="Text Box 18"/>
+          <p:cNvSpPr txBox="1"/>
+          <p:nvPr/>
+        </p:nvSpPr>
+        <p:spPr>
+          <a:xfrm>
+            <a:off x="6958330" y="2821940"/>
+            <a:ext cx="4062095" cy="645160"/>
+          </a:xfrm>
+          <a:prstGeom prst="rect">
+            <a:avLst/>
+          </a:prstGeom>
+          <a:noFill/>
+        </p:spPr>
+        <p:txBody>
+          <a:bodyPr wrap="square" rtlCol="0">
+            <a:spAutoFit/>
+          </a:bodyPr>
+          <a:p>
+            <a:r>
+              <a:rPr lang="zh-TW" altLang="en-US">
+                <a:solidFill>
+                  <a:srgbClr val="1F78B4"/>
+                </a:solidFill>
+              </a:rPr>
+              <a:t>直方圖高度代表航班架次（見縱軸），</a:t>
+            </a:r>
+            <a:endParaRPr lang="zh-TW" altLang="en-US">
+              <a:solidFill>
+                <a:schemeClr val="tx1"/>
+              </a:solidFill>
+            </a:endParaRPr>
+          </a:p>
+          <a:p>
+            <a:r>
+              <a:rPr lang="zh-TW" altLang="en-US">
+                <a:solidFill>
+                  <a:srgbClr val="FF0000"/>
+                </a:solidFill>
+              </a:rPr>
+              <a:t>百分比改為可控架次準點率。</a:t>
+            </a:r>
+            <a:endParaRPr lang="zh-TW" altLang="en-US">
+              <a:solidFill>
+                <a:srgbClr val="FF0000"/>
+              </a:solidFill>
+            </a:endParaRPr>
+          </a:p>
+        </p:txBody>
+      </p:sp>
+    </p:spTree>
+  </p:cSld>
+  <p:clrMapOvr>
+    <a:masterClrMapping/>
+  </p:clrMapOvr>
+</p:sld>
+</file>
+
+<file path=ppt/slides/slide14.xml><?xml version="1.0" encoding="utf-8"?>
+<p:sld xmlns:a="http://schemas.openxmlformats.org/drawingml/2006/main" xmlns:r="http://schemas.openxmlformats.org/officeDocument/2006/relationships" xmlns:p="http://schemas.openxmlformats.org/presentationml/2006/main">
+  <p:cSld>
+    <p:spTree>
+      <p:nvGrpSpPr>
+        <p:cNvPr id="1" name=""/>
+        <p:cNvGrpSpPr/>
+        <p:nvPr/>
+      </p:nvGrpSpPr>
+      <p:grpSpPr/>
+      <p:pic>
+        <p:nvPicPr>
+          <p:cNvPr id="4" name="Content Placeholder 3" descr="Untitled"/>
+          <p:cNvPicPr>
+            <a:picLocks noChangeAspect="1"/>
+          </p:cNvPicPr>
+          <p:nvPr>
+            <p:ph idx="1"/>
+          </p:nvPr>
+        </p:nvPicPr>
+        <p:blipFill>
+          <a:blip r:embed="rId1"/>
+          <a:stretch>
+            <a:fillRect/>
+          </a:stretch>
+        </p:blipFill>
+        <p:spPr>
+          <a:xfrm>
+            <a:off x="838200" y="2248535"/>
+            <a:ext cx="10515600" cy="3505200"/>
+          </a:xfrm>
+          <a:prstGeom prst="rect">
+            <a:avLst/>
+          </a:prstGeom>
+        </p:spPr>
+      </p:pic>
+      <p:sp>
+        <p:nvSpPr>
+          <p:cNvPr id="5" name="Title 4"/>
+          <p:cNvSpPr>
+            <a:spLocks noGrp="1"/>
+          </p:cNvSpPr>
+          <p:nvPr>
+            <p:ph type="title"/>
+          </p:nvPr>
+        </p:nvSpPr>
+        <p:spPr/>
+        <p:txBody>
+          <a:bodyPr/>
+          <a:p>
+            <a:r>
+              <a:rPr lang="zh-TW" altLang="en-US"/>
+              <a:t>日分析</a:t>
+            </a:r>
+            <a:r>
+              <a:rPr lang="zh-TW" altLang="en-US"/>
+              <a:t>直方圖</a:t>
+            </a:r>
+            <a:endParaRPr lang="zh-TW" altLang="en-US"/>
+          </a:p>
+        </p:txBody>
+      </p:sp>
+      <p:sp>
+        <p:nvSpPr>
+          <p:cNvPr id="19" name="Text Box 18"/>
+          <p:cNvSpPr txBox="1"/>
+          <p:nvPr/>
+        </p:nvSpPr>
+        <p:spPr>
+          <a:xfrm>
+            <a:off x="7125335" y="4654550"/>
+            <a:ext cx="4062095" cy="645160"/>
+          </a:xfrm>
+          <a:prstGeom prst="rect">
+            <a:avLst/>
+          </a:prstGeom>
+          <a:solidFill>
+            <a:schemeClr val="bg1"/>
+          </a:solidFill>
+        </p:spPr>
+        <p:txBody>
+          <a:bodyPr wrap="square" rtlCol="0">
+            <a:spAutoFit/>
+          </a:bodyPr>
+          <a:p>
+            <a:r>
+              <a:rPr lang="zh-TW" altLang="en-US">
+                <a:solidFill>
+                  <a:srgbClr val="1F78B4"/>
+                </a:solidFill>
+              </a:rPr>
+              <a:t>直方圖高度代表航班架次（見縱軸），</a:t>
+            </a:r>
+            <a:endParaRPr lang="zh-TW" altLang="en-US">
+              <a:solidFill>
+                <a:schemeClr val="tx1"/>
+              </a:solidFill>
+            </a:endParaRPr>
+          </a:p>
+          <a:p>
+            <a:r>
+              <a:rPr lang="zh-TW" altLang="en-US">
+                <a:solidFill>
+                  <a:srgbClr val="FF0000"/>
+                </a:solidFill>
+              </a:rPr>
+              <a:t>百分比改為可控架次準點率。</a:t>
+            </a:r>
+            <a:endParaRPr lang="zh-TW" altLang="en-US">
+              <a:solidFill>
+                <a:srgbClr val="FF0000"/>
+              </a:solidFill>
+            </a:endParaRPr>
+          </a:p>
+        </p:txBody>
+      </p:sp>
+    </p:spTree>
+  </p:cSld>
+  <p:clrMapOvr>
+    <a:masterClrMapping/>
+  </p:clrMapOvr>
+</p:sld>
+</file>
+
+<file path=ppt/slides/slide15.xml><?xml version="1.0" encoding="utf-8"?>
+<p:sld xmlns:a="http://schemas.openxmlformats.org/drawingml/2006/main" xmlns:r="http://schemas.openxmlformats.org/officeDocument/2006/relationships" xmlns:p="http://schemas.openxmlformats.org/presentationml/2006/main">
+  <p:cSld>
+    <p:spTree>
+      <p:nvGrpSpPr>
+        <p:cNvPr id="1" name=""/>
+        <p:cNvGrpSpPr/>
+        <p:nvPr/>
+      </p:nvGrpSpPr>
+      <p:grpSpPr/>
+      <p:sp>
+        <p:nvSpPr>
+          <p:cNvPr id="5" name="Title 4"/>
+          <p:cNvSpPr>
+            <a:spLocks noGrp="1"/>
+          </p:cNvSpPr>
+          <p:nvPr>
+            <p:ph type="title"/>
+          </p:nvPr>
+        </p:nvSpPr>
+        <p:spPr/>
+        <p:txBody>
+          <a:bodyPr/>
+          <a:p>
+            <a:r>
+              <a:rPr lang="zh-TW" altLang="en-US"/>
+              <a:t>週分析折線圖</a:t>
+            </a:r>
+            <a:endParaRPr lang="zh-TW" altLang="en-US"/>
+          </a:p>
+        </p:txBody>
+      </p:sp>
+      <p:pic>
+        <p:nvPicPr>
+          <p:cNvPr id="4" name="Content Placeholder 3" descr="Untitled"/>
+          <p:cNvPicPr>
+            <a:picLocks noChangeAspect="1"/>
+          </p:cNvPicPr>
+          <p:nvPr>
+            <p:ph idx="1"/>
+          </p:nvPr>
+        </p:nvPicPr>
+        <p:blipFill>
+          <a:blip r:embed="rId1"/>
+          <a:stretch>
+            <a:fillRect/>
+          </a:stretch>
+        </p:blipFill>
+        <p:spPr>
+          <a:xfrm>
+            <a:off x="838200" y="2248535"/>
+            <a:ext cx="10515600" cy="3505200"/>
+          </a:xfrm>
+          <a:prstGeom prst="rect">
+            <a:avLst/>
+          </a:prstGeom>
+        </p:spPr>
+      </p:pic>
+      <p:sp>
+        <p:nvSpPr>
+          <p:cNvPr id="19" name="Text Box 18"/>
+          <p:cNvSpPr txBox="1"/>
+          <p:nvPr/>
+        </p:nvSpPr>
+        <p:spPr>
+          <a:xfrm>
+            <a:off x="8729980" y="2082165"/>
+            <a:ext cx="2955925" cy="368300"/>
+          </a:xfrm>
+          <a:prstGeom prst="rect">
+            <a:avLst/>
+          </a:prstGeom>
+          <a:noFill/>
+        </p:spPr>
+        <p:txBody>
+          <a:bodyPr wrap="square" rtlCol="0">
+            <a:spAutoFit/>
+          </a:bodyPr>
+          <a:p>
+            <a:r>
+              <a:rPr lang="zh-TW" altLang="en-US">
+                <a:solidFill>
+                  <a:srgbClr val="FF7C04"/>
+                </a:solidFill>
+              </a:rPr>
+              <a:t>增加可控架次準點率。</a:t>
+            </a:r>
+            <a:endParaRPr lang="zh-TW" altLang="en-US">
+              <a:solidFill>
+                <a:srgbClr val="FF7C04"/>
+              </a:solidFill>
+            </a:endParaRPr>
+          </a:p>
+        </p:txBody>
+      </p:sp>
+      <p:sp>
+        <p:nvSpPr>
+          <p:cNvPr id="6" name="Text Box 5"/>
+          <p:cNvSpPr txBox="1"/>
+          <p:nvPr/>
+        </p:nvSpPr>
+        <p:spPr>
+          <a:xfrm>
+            <a:off x="8466455" y="3580765"/>
+            <a:ext cx="2955925" cy="368300"/>
+          </a:xfrm>
+          <a:prstGeom prst="rect">
+            <a:avLst/>
+          </a:prstGeom>
+          <a:noFill/>
+        </p:spPr>
+        <p:txBody>
+          <a:bodyPr wrap="square" rtlCol="0">
+            <a:spAutoFit/>
+          </a:bodyPr>
+          <a:p>
+            <a:r>
+              <a:rPr lang="zh-TW" altLang="en-US">
+                <a:solidFill>
+                  <a:srgbClr val="207CB1"/>
+                </a:solidFill>
+              </a:rPr>
+              <a:t>原本有所有架次準點率。</a:t>
+            </a:r>
+            <a:endParaRPr lang="zh-TW" altLang="en-US">
+              <a:solidFill>
+                <a:srgbClr val="207CB1"/>
+              </a:solidFill>
+            </a:endParaRPr>
+          </a:p>
+        </p:txBody>
+      </p:sp>
+      <p:sp>
+        <p:nvSpPr>
+          <p:cNvPr id="11" name="Rectangles 10"/>
+          <p:cNvSpPr/>
+          <p:nvPr/>
+        </p:nvSpPr>
+        <p:spPr>
+          <a:xfrm>
+            <a:off x="1569085" y="5074920"/>
+            <a:ext cx="9441815" cy="182880"/>
+          </a:xfrm>
+          <a:prstGeom prst="rect">
+            <a:avLst/>
+          </a:prstGeom>
+          <a:noFill/>
+          <a:ln w="28575">
+            <a:solidFill>
+              <a:srgbClr val="FF0000"/>
+            </a:solidFill>
+          </a:ln>
+          <a:extLst>
+            <a:ext uri="{909E8E84-426E-40DD-AFC4-6F175D3DCCD1}">
+              <a14:hiddenFill xmlns:a14="http://schemas.microsoft.com/office/drawing/2010/main">
+                <a:solidFill>
+                  <a:schemeClr val="accent1"/>
+                </a:solidFill>
+              </a14:hiddenFill>
+            </a:ext>
+          </a:extLst>
+        </p:spPr>
+        <p:style>
+          <a:lnRef idx="2">
+            <a:schemeClr val="accent1">
+              <a:lumMod val="75000"/>
+            </a:schemeClr>
+          </a:lnRef>
+          <a:fillRef idx="1">
+            <a:schemeClr val="accent1"/>
+          </a:fillRef>
+          <a:effectRef idx="0">
+            <a:srgbClr val="FFFFFF"/>
+          </a:effectRef>
+          <a:fontRef idx="minor">
+            <a:schemeClr val="lt1"/>
+          </a:fontRef>
+        </p:style>
+        <p:txBody>
+          <a:bodyPr rtlCol="0" anchor="ctr"/>
+          <a:p>
+            <a:pPr algn="ctr"/>
+            <a:endParaRPr lang="en-US"/>
+          </a:p>
+        </p:txBody>
+      </p:sp>
+      <p:sp>
+        <p:nvSpPr>
+          <p:cNvPr id="7" name="Text Box 6"/>
+          <p:cNvSpPr txBox="1"/>
+          <p:nvPr/>
+        </p:nvSpPr>
+        <p:spPr>
+          <a:xfrm>
+            <a:off x="1569085" y="4706620"/>
+            <a:ext cx="2955925" cy="368300"/>
+          </a:xfrm>
+          <a:prstGeom prst="rect">
+            <a:avLst/>
+          </a:prstGeom>
+          <a:noFill/>
+        </p:spPr>
+        <p:txBody>
+          <a:bodyPr wrap="square" rtlCol="0">
+            <a:spAutoFit/>
+          </a:bodyPr>
+          <a:p>
+            <a:r>
+              <a:rPr lang="zh-TW" altLang="en-US">
+                <a:solidFill>
+                  <a:srgbClr val="FF0000"/>
+                </a:solidFill>
+              </a:rPr>
+              <a:t>航班總數移到下面。</a:t>
+            </a:r>
+            <a:endParaRPr lang="zh-TW" altLang="en-US">
+              <a:solidFill>
+                <a:srgbClr val="FF0000"/>
+              </a:solidFill>
+            </a:endParaRPr>
+          </a:p>
+        </p:txBody>
+      </p:sp>
+    </p:spTree>
+  </p:cSld>
+  <p:clrMapOvr>
+    <a:masterClrMapping/>
+  </p:clrMapOvr>
+</p:sld>
+</file>
+
+<file path=ppt/slides/slide16.xml><?xml version="1.0" encoding="utf-8"?>
+<p:sld xmlns:a="http://schemas.openxmlformats.org/drawingml/2006/main" xmlns:r="http://schemas.openxmlformats.org/officeDocument/2006/relationships" xmlns:p="http://schemas.openxmlformats.org/presentationml/2006/main">
+  <p:cSld>
+    <p:spTree>
+      <p:nvGrpSpPr>
+        <p:cNvPr id="1" name=""/>
+        <p:cNvGrpSpPr/>
+        <p:nvPr/>
+      </p:nvGrpSpPr>
+      <p:grpSpPr/>
+      <p:sp>
+        <p:nvSpPr>
+          <p:cNvPr id="2" name="Title 1"/>
+          <p:cNvSpPr>
+            <a:spLocks noGrp="1"/>
+          </p:cNvSpPr>
+          <p:nvPr>
+            <p:ph type="title"/>
+          </p:nvPr>
+        </p:nvSpPr>
+        <p:spPr/>
+        <p:txBody>
+          <a:bodyPr/>
+          <a:p>
+            <a:r>
+              <a:rPr lang="zh-TW" altLang="en-US"/>
+              <a:t>統計表欄位</a:t>
+            </a:r>
+            <a:r>
+              <a:rPr lang="zh-TW" altLang="en-US"/>
+              <a:t>說明（</a:t>
+            </a:r>
+            <a:r>
+              <a:rPr lang="zh-TW" altLang="en-US"/>
+              <a:t>以時分析為例）</a:t>
+            </a:r>
+            <a:endParaRPr lang="zh-TW" altLang="en-US"/>
+          </a:p>
+        </p:txBody>
+      </p:sp>
+      <p:pic>
+        <p:nvPicPr>
+          <p:cNvPr id="4" name="Content Placeholder 3"/>
+          <p:cNvPicPr>
+            <a:picLocks noChangeAspect="1"/>
+          </p:cNvPicPr>
+          <p:nvPr>
+            <p:ph idx="1"/>
+          </p:nvPr>
+        </p:nvPicPr>
+        <p:blipFill>
+          <a:blip r:embed="rId1"/>
+          <a:stretch>
+            <a:fillRect/>
+          </a:stretch>
+        </p:blipFill>
+        <p:spPr>
+          <a:xfrm>
+            <a:off x="838200" y="2326005"/>
+            <a:ext cx="10515600" cy="3350260"/>
+          </a:xfrm>
+          <a:prstGeom prst="rect">
+            <a:avLst/>
+          </a:prstGeom>
+        </p:spPr>
+      </p:pic>
+      <p:sp>
+        <p:nvSpPr>
+          <p:cNvPr id="11" name="Rectangles 10"/>
+          <p:cNvSpPr/>
+          <p:nvPr/>
+        </p:nvSpPr>
+        <p:spPr>
+          <a:xfrm>
+            <a:off x="1315085" y="2326640"/>
+            <a:ext cx="3495675" cy="3349625"/>
+          </a:xfrm>
+          <a:prstGeom prst="rect">
+            <a:avLst/>
+          </a:prstGeom>
+          <a:noFill/>
+          <a:ln w="28575">
+            <a:solidFill>
+              <a:srgbClr val="FF0000"/>
+            </a:solidFill>
+          </a:ln>
+          <a:extLst>
+            <a:ext uri="{909E8E84-426E-40DD-AFC4-6F175D3DCCD1}">
+              <a14:hiddenFill xmlns:a14="http://schemas.microsoft.com/office/drawing/2010/main">
+                <a:solidFill>
+                  <a:schemeClr val="accent1"/>
+                </a:solidFill>
+              </a14:hiddenFill>
+            </a:ext>
+          </a:extLst>
+        </p:spPr>
+        <p:style>
+          <a:lnRef idx="2">
+            <a:schemeClr val="accent1">
+              <a:lumMod val="75000"/>
+            </a:schemeClr>
+          </a:lnRef>
+          <a:fillRef idx="1">
+            <a:schemeClr val="accent1"/>
+          </a:fillRef>
+          <a:effectRef idx="0">
+            <a:srgbClr val="FFFFFF"/>
+          </a:effectRef>
+          <a:fontRef idx="minor">
+            <a:schemeClr val="lt1"/>
+          </a:fontRef>
+        </p:style>
+        <p:txBody>
+          <a:bodyPr rtlCol="0" anchor="ctr"/>
+          <a:p>
+            <a:pPr algn="ctr"/>
+            <a:endParaRPr lang="en-US"/>
+          </a:p>
+        </p:txBody>
+      </p:sp>
+      <p:sp>
+        <p:nvSpPr>
+          <p:cNvPr id="5" name="Rectangles 4"/>
+          <p:cNvSpPr/>
+          <p:nvPr/>
+        </p:nvSpPr>
+        <p:spPr>
+          <a:xfrm>
+            <a:off x="5215890" y="2326005"/>
+            <a:ext cx="6137275" cy="3349625"/>
+          </a:xfrm>
+          <a:prstGeom prst="rect">
+            <a:avLst/>
+          </a:prstGeom>
+          <a:noFill/>
+          <a:ln w="28575">
+            <a:solidFill>
+              <a:schemeClr val="accent1"/>
+            </a:solidFill>
+          </a:ln>
+          <a:extLst>
+            <a:ext uri="{909E8E84-426E-40DD-AFC4-6F175D3DCCD1}">
+              <a14:hiddenFill xmlns:a14="http://schemas.microsoft.com/office/drawing/2010/main">
+                <a:solidFill>
+                  <a:schemeClr val="accent1"/>
+                </a:solidFill>
+              </a14:hiddenFill>
+            </a:ext>
+          </a:extLst>
+        </p:spPr>
+        <p:style>
+          <a:lnRef idx="2">
+            <a:schemeClr val="accent1">
+              <a:lumMod val="75000"/>
+            </a:schemeClr>
+          </a:lnRef>
+          <a:fillRef idx="1">
+            <a:schemeClr val="accent1"/>
+          </a:fillRef>
+          <a:effectRef idx="0">
+            <a:srgbClr val="FFFFFF"/>
+          </a:effectRef>
+          <a:fontRef idx="minor">
+            <a:schemeClr val="lt1"/>
+          </a:fontRef>
+        </p:style>
+        <p:txBody>
+          <a:bodyPr rtlCol="0" anchor="ctr"/>
+          <a:p>
+            <a:pPr algn="ctr"/>
+            <a:endParaRPr lang="en-US"/>
+          </a:p>
+        </p:txBody>
+      </p:sp>
+      <p:sp>
+        <p:nvSpPr>
+          <p:cNvPr id="6" name="Text Box 5"/>
+          <p:cNvSpPr txBox="1"/>
+          <p:nvPr/>
+        </p:nvSpPr>
+        <p:spPr>
+          <a:xfrm>
+            <a:off x="5215890" y="5675630"/>
+            <a:ext cx="6136640" cy="645160"/>
+          </a:xfrm>
+          <a:prstGeom prst="rect">
+            <a:avLst/>
+          </a:prstGeom>
+          <a:noFill/>
+        </p:spPr>
+        <p:txBody>
+          <a:bodyPr wrap="square" rtlCol="0">
+            <a:spAutoFit/>
+          </a:bodyPr>
+          <a:p>
+            <a:r>
+              <a:rPr lang="zh-TW" altLang="en-US">
+                <a:solidFill>
+                  <a:srgbClr val="1F78B4"/>
+                </a:solidFill>
+              </a:rPr>
+              <a:t>延誤代碼統計資訊，僅列出區間內出現</a:t>
+            </a:r>
+            <a:r>
+              <a:rPr lang="zh-TW" altLang="en-US">
+                <a:solidFill>
+                  <a:srgbClr val="1F78B4"/>
+                </a:solidFill>
+              </a:rPr>
+              <a:t>過的項目。</a:t>
+            </a:r>
+            <a:endParaRPr lang="zh-TW" altLang="en-US">
+              <a:solidFill>
+                <a:srgbClr val="1F78B4"/>
+              </a:solidFill>
+            </a:endParaRPr>
+          </a:p>
+          <a:p>
+            <a:r>
+              <a:rPr lang="zh-TW" altLang="en-US">
+                <a:solidFill>
+                  <a:srgbClr val="1F78B4"/>
+                </a:solidFill>
+              </a:rPr>
+              <a:t>目前並未依照大類別排序，後續版本應修正。</a:t>
+            </a:r>
+            <a:endParaRPr lang="zh-TW" altLang="en-US">
+              <a:solidFill>
+                <a:srgbClr val="1F78B4"/>
+              </a:solidFill>
+            </a:endParaRPr>
+          </a:p>
+        </p:txBody>
+      </p:sp>
+      <p:sp>
+        <p:nvSpPr>
+          <p:cNvPr id="7" name="Text Box 6"/>
+          <p:cNvSpPr txBox="1"/>
+          <p:nvPr/>
+        </p:nvSpPr>
+        <p:spPr>
+          <a:xfrm>
+            <a:off x="1315085" y="5676265"/>
+            <a:ext cx="3495675" cy="645160"/>
+          </a:xfrm>
+          <a:prstGeom prst="rect">
+            <a:avLst/>
+          </a:prstGeom>
+          <a:noFill/>
+        </p:spPr>
+        <p:txBody>
+          <a:bodyPr wrap="square" rtlCol="0">
+            <a:spAutoFit/>
+          </a:bodyPr>
+          <a:p>
+            <a:r>
+              <a:rPr lang="zh-TW" altLang="en-US">
+                <a:solidFill>
+                  <a:srgbClr val="FF0000"/>
+                </a:solidFill>
+              </a:rPr>
+              <a:t>航班與準時率</a:t>
+            </a:r>
+            <a:r>
+              <a:rPr lang="zh-TW" altLang="en-US">
+                <a:solidFill>
+                  <a:srgbClr val="FF0000"/>
+                </a:solidFill>
+              </a:rPr>
+              <a:t>統計資訊。</a:t>
+            </a:r>
+            <a:endParaRPr lang="zh-TW" altLang="en-US">
+              <a:solidFill>
+                <a:srgbClr val="FF0000"/>
+              </a:solidFill>
+            </a:endParaRPr>
+          </a:p>
+          <a:p>
+            <a:r>
+              <a:rPr lang="en-US" altLang="zh-TW">
+                <a:solidFill>
+                  <a:srgbClr val="FF0000"/>
+                </a:solidFill>
+              </a:rPr>
+              <a:t>OTP </a:t>
+            </a:r>
+            <a:r>
+              <a:rPr lang="zh-TW" altLang="en-US">
+                <a:solidFill>
+                  <a:srgbClr val="FF0000"/>
+                </a:solidFill>
+              </a:rPr>
+              <a:t>數字為百分比。</a:t>
+            </a:r>
+            <a:endParaRPr lang="zh-TW" altLang="en-US">
+              <a:solidFill>
+                <a:srgbClr val="FF0000"/>
+              </a:solidFill>
+            </a:endParaRPr>
+          </a:p>
+        </p:txBody>
+      </p:sp>
+    </p:spTree>
+  </p:cSld>
+  <p:clrMapOvr>
+    <a:masterClrMapping/>
+  </p:clrMapOvr>
+</p:sld>
+</file>
+
+<file path=ppt/slides/slide17.xml><?xml version="1.0" encoding="utf-8"?>
+<p:sld xmlns:a="http://schemas.openxmlformats.org/drawingml/2006/main" xmlns:r="http://schemas.openxmlformats.org/officeDocument/2006/relationships" xmlns:p="http://schemas.openxmlformats.org/presentationml/2006/main">
+  <p:cSld>
+    <p:spTree>
+      <p:nvGrpSpPr>
+        <p:cNvPr id="1" name=""/>
+        <p:cNvGrpSpPr/>
+        <p:nvPr/>
+      </p:nvGrpSpPr>
+      <p:grpSpPr/>
+      <p:sp>
+        <p:nvSpPr>
+          <p:cNvPr id="2" name="Title 1"/>
+          <p:cNvSpPr>
+            <a:spLocks noGrp="1"/>
+          </p:cNvSpPr>
+          <p:nvPr>
+            <p:ph type="title"/>
+          </p:nvPr>
+        </p:nvSpPr>
+        <p:spPr/>
+        <p:txBody>
+          <a:bodyPr/>
+          <a:p>
+            <a:r>
+              <a:rPr lang="zh-TW" altLang="en-US"/>
+              <a:t>資料</a:t>
+            </a:r>
+            <a:r>
+              <a:rPr lang="zh-TW" altLang="en-US"/>
+              <a:t>一致性問題</a:t>
+            </a:r>
+            <a:endParaRPr lang="zh-TW" altLang="en-US"/>
+          </a:p>
+        </p:txBody>
+      </p:sp>
+      <p:sp>
+        <p:nvSpPr>
+          <p:cNvPr id="7" name="文字方塊 6"/>
+          <p:cNvSpPr txBox="1"/>
+          <p:nvPr/>
+        </p:nvSpPr>
+        <p:spPr>
+          <a:xfrm>
+            <a:off x="1494783" y="1819356"/>
+            <a:ext cx="2148345" cy="369332"/>
+          </a:xfrm>
+          <a:prstGeom prst="rect">
+            <a:avLst/>
+          </a:prstGeom>
+          <a:noFill/>
+        </p:spPr>
+        <p:txBody>
+          <a:bodyPr wrap="none" rtlCol="0">
+            <a:spAutoFit/>
+          </a:bodyPr>
+          <a:p>
+            <a:r>
+              <a:rPr lang="zh-TW" altLang="en-US" dirty="0"/>
+              <a:t>這是十月的 </a:t>
+            </a:r>
+            <a:r>
+              <a:rPr lang="en-US" altLang="zh-TW" dirty="0" err="1"/>
+              <a:t>xls</a:t>
+            </a:r>
+            <a:r>
+              <a:rPr lang="en-US" altLang="zh-TW" dirty="0"/>
+              <a:t> </a:t>
+            </a:r>
+            <a:r>
+              <a:rPr lang="zh-TW" altLang="en-US" dirty="0"/>
+              <a:t>表單</a:t>
+            </a:r>
+            <a:endParaRPr lang="en-US" dirty="0"/>
+          </a:p>
+        </p:txBody>
+      </p:sp>
+      <p:sp>
+        <p:nvSpPr>
+          <p:cNvPr id="8" name="文字方塊 7"/>
+          <p:cNvSpPr txBox="1"/>
+          <p:nvPr/>
+        </p:nvSpPr>
+        <p:spPr>
+          <a:xfrm>
+            <a:off x="1494783" y="3583147"/>
+            <a:ext cx="2379177" cy="369332"/>
+          </a:xfrm>
+          <a:prstGeom prst="rect">
+            <a:avLst/>
+          </a:prstGeom>
+          <a:noFill/>
+        </p:spPr>
+        <p:txBody>
+          <a:bodyPr wrap="none" rtlCol="0">
+            <a:spAutoFit/>
+          </a:bodyPr>
+          <a:p>
+            <a:r>
+              <a:rPr lang="zh-TW" altLang="en-US" dirty="0"/>
+              <a:t>這是十一月的 </a:t>
+            </a:r>
+            <a:r>
+              <a:rPr lang="en-US" altLang="zh-TW" dirty="0" err="1"/>
+              <a:t>xls</a:t>
+            </a:r>
+            <a:r>
+              <a:rPr lang="en-US" altLang="zh-TW" dirty="0"/>
+              <a:t> </a:t>
+            </a:r>
+            <a:r>
+              <a:rPr lang="zh-TW" altLang="en-US" dirty="0"/>
+              <a:t>表單</a:t>
+            </a:r>
+            <a:endParaRPr lang="en-US" dirty="0"/>
+          </a:p>
+        </p:txBody>
+      </p:sp>
+      <p:sp>
+        <p:nvSpPr>
+          <p:cNvPr id="9" name="文字方塊 8"/>
+          <p:cNvSpPr txBox="1"/>
+          <p:nvPr/>
+        </p:nvSpPr>
+        <p:spPr>
+          <a:xfrm>
+            <a:off x="6772260" y="4970821"/>
+            <a:ext cx="3877985" cy="369332"/>
+          </a:xfrm>
+          <a:prstGeom prst="rect">
+            <a:avLst/>
+          </a:prstGeom>
+          <a:noFill/>
+        </p:spPr>
+        <p:txBody>
+          <a:bodyPr wrap="none" rtlCol="0">
+            <a:spAutoFit/>
+          </a:bodyPr>
+          <a:p>
+            <a:r>
+              <a:rPr lang="zh-TW" altLang="en-US" dirty="0">
+                <a:solidFill>
+                  <a:srgbClr val="FF0000"/>
+                </a:solidFill>
+              </a:rPr>
+              <a:t>相同航班，相同欄位卻有不同數值？</a:t>
+            </a:r>
+            <a:endParaRPr lang="en-US" dirty="0">
+              <a:solidFill>
+                <a:srgbClr val="FF0000"/>
+              </a:solidFill>
+            </a:endParaRPr>
+          </a:p>
+        </p:txBody>
+      </p:sp>
+      <p:pic>
+        <p:nvPicPr>
+          <p:cNvPr id="12" name="圖片 11"/>
+          <p:cNvPicPr>
+            <a:picLocks noChangeAspect="1"/>
+          </p:cNvPicPr>
+          <p:nvPr/>
+        </p:nvPicPr>
+        <p:blipFill>
+          <a:blip r:embed="rId1"/>
+          <a:stretch>
+            <a:fillRect/>
+          </a:stretch>
+        </p:blipFill>
+        <p:spPr>
+          <a:xfrm>
+            <a:off x="1494783" y="2189682"/>
+            <a:ext cx="9202434" cy="1057423"/>
+          </a:xfrm>
+          <a:prstGeom prst="rect">
+            <a:avLst/>
+          </a:prstGeom>
+        </p:spPr>
+      </p:pic>
+      <p:pic>
+        <p:nvPicPr>
+          <p:cNvPr id="13" name="圖片 12"/>
+          <p:cNvPicPr>
+            <a:picLocks noChangeAspect="1"/>
+          </p:cNvPicPr>
+          <p:nvPr/>
+        </p:nvPicPr>
+        <p:blipFill>
+          <a:blip r:embed="rId2"/>
+          <a:stretch>
+            <a:fillRect/>
+          </a:stretch>
+        </p:blipFill>
+        <p:spPr>
+          <a:xfrm>
+            <a:off x="1455018" y="3952479"/>
+            <a:ext cx="9202444" cy="1018342"/>
+          </a:xfrm>
+          <a:prstGeom prst="rect">
+            <a:avLst/>
+          </a:prstGeom>
+        </p:spPr>
+      </p:pic>
+      <p:sp>
+        <p:nvSpPr>
+          <p:cNvPr id="6" name="矩形 5"/>
+          <p:cNvSpPr/>
+          <p:nvPr/>
+        </p:nvSpPr>
+        <p:spPr>
+          <a:xfrm>
+            <a:off x="6772260" y="2187694"/>
+            <a:ext cx="1550505" cy="2790907"/>
+          </a:xfrm>
+          <a:prstGeom prst="rect">
+            <a:avLst/>
+          </a:prstGeom>
+          <a:noFill/>
+          <a:ln>
+            <a:solidFill>
+              <a:srgbClr val="FF0000"/>
+            </a:solidFill>
+          </a:ln>
+        </p:spPr>
+        <p:style>
+          <a:lnRef idx="2">
+            <a:schemeClr val="accent1">
+              <a:shade val="50000"/>
+            </a:schemeClr>
+          </a:lnRef>
+          <a:fillRef idx="1">
+            <a:schemeClr val="accent1"/>
+          </a:fillRef>
+          <a:effectRef idx="0">
+            <a:schemeClr val="accent1"/>
+          </a:effectRef>
+          <a:fontRef idx="minor">
+            <a:schemeClr val="lt1"/>
+          </a:fontRef>
+        </p:style>
+        <p:txBody>
+          <a:bodyPr rtlCol="0" anchor="ctr"/>
+          <a:p>
+            <a:pPr algn="ctr"/>
+            <a:endParaRPr lang="en-US"/>
+          </a:p>
+        </p:txBody>
+      </p:sp>
+      <p:sp>
+        <p:nvSpPr>
+          <p:cNvPr id="14" name="矩形 13"/>
+          <p:cNvSpPr/>
+          <p:nvPr/>
+        </p:nvSpPr>
+        <p:spPr>
+          <a:xfrm>
+            <a:off x="9835763" y="2187694"/>
+            <a:ext cx="821701" cy="2790907"/>
+          </a:xfrm>
+          <a:prstGeom prst="rect">
+            <a:avLst/>
+          </a:prstGeom>
+          <a:noFill/>
+          <a:ln>
+            <a:solidFill>
+              <a:srgbClr val="FF0000"/>
+            </a:solidFill>
+          </a:ln>
+        </p:spPr>
+        <p:style>
+          <a:lnRef idx="2">
+            <a:schemeClr val="accent1">
+              <a:shade val="50000"/>
+            </a:schemeClr>
+          </a:lnRef>
+          <a:fillRef idx="1">
+            <a:schemeClr val="accent1"/>
+          </a:fillRef>
+          <a:effectRef idx="0">
+            <a:schemeClr val="accent1"/>
+          </a:effectRef>
+          <a:fontRef idx="minor">
+            <a:schemeClr val="lt1"/>
+          </a:fontRef>
+        </p:style>
+        <p:txBody>
+          <a:bodyPr rtlCol="0" anchor="ctr"/>
+          <a:p>
+            <a:pPr algn="ctr"/>
+            <a:endParaRPr lang="en-US"/>
+          </a:p>
+        </p:txBody>
+      </p:sp>
+      <p:sp>
+        <p:nvSpPr>
+          <p:cNvPr id="4" name="Text Box 3"/>
+          <p:cNvSpPr txBox="1"/>
+          <p:nvPr/>
+        </p:nvSpPr>
+        <p:spPr>
+          <a:xfrm>
+            <a:off x="1454785" y="5844540"/>
+            <a:ext cx="7296785" cy="368300"/>
+          </a:xfrm>
+          <a:prstGeom prst="rect">
+            <a:avLst/>
+          </a:prstGeom>
+          <a:noFill/>
+        </p:spPr>
+        <p:txBody>
+          <a:bodyPr wrap="square" rtlCol="0">
+            <a:spAutoFit/>
+          </a:bodyPr>
+          <a:p>
+            <a:r>
+              <a:rPr lang="zh-TW" altLang="en-US">
+                <a:solidFill>
+                  <a:srgbClr val="FF0000"/>
+                </a:solidFill>
+              </a:rPr>
+              <a:t>為了避免資料不一致，建議未來分析時使用同一時期下載的資料。</a:t>
+            </a:r>
+            <a:endParaRPr lang="zh-TW" altLang="en-US">
+              <a:solidFill>
+                <a:srgbClr val="FF0000"/>
+              </a:solidFill>
+            </a:endParaRPr>
+          </a:p>
+        </p:txBody>
+      </p:sp>
+    </p:spTree>
+  </p:cSld>
+  <p:clrMapOvr>
+    <a:masterClrMapping/>
+  </p:clrMapOvr>
+</p:sld>
+</file>
+
+<file path=ppt/slides/slide18.xml><?xml version="1.0" encoding="utf-8"?>
+<p:sld xmlns:a="http://schemas.openxmlformats.org/drawingml/2006/main" xmlns:r="http://schemas.openxmlformats.org/officeDocument/2006/relationships" xmlns:p="http://schemas.openxmlformats.org/presentationml/2006/main">
+  <p:cSld>
+    <p:spTree>
+      <p:nvGrpSpPr>
+        <p:cNvPr id="1" name=""/>
+        <p:cNvGrpSpPr/>
+        <p:nvPr/>
+      </p:nvGrpSpPr>
+      <p:grpSpPr/>
+      <p:sp>
+        <p:nvSpPr>
+          <p:cNvPr id="2" name="Title 1"/>
+          <p:cNvSpPr>
+            <a:spLocks noGrp="1"/>
+          </p:cNvSpPr>
+          <p:nvPr>
+            <p:ph type="title"/>
+          </p:nvPr>
+        </p:nvSpPr>
+        <p:spPr/>
+        <p:txBody>
+          <a:bodyPr/>
+          <a:p>
+            <a:r>
+              <a:rPr lang="zh-TW" altLang="en-US"/>
+              <a:t>後續</a:t>
+            </a:r>
+            <a:r>
+              <a:rPr lang="zh-TW" altLang="en-US"/>
+              <a:t>開發方向</a:t>
+            </a:r>
+            <a:endParaRPr lang="zh-TW" altLang="en-US"/>
+          </a:p>
+        </p:txBody>
+      </p:sp>
+      <p:sp>
+        <p:nvSpPr>
+          <p:cNvPr id="3" name="Content Placeholder 2"/>
+          <p:cNvSpPr>
+            <a:spLocks noGrp="1"/>
+          </p:cNvSpPr>
+          <p:nvPr>
+            <p:ph idx="1"/>
+          </p:nvPr>
+        </p:nvSpPr>
+        <p:spPr/>
+        <p:txBody>
+          <a:bodyPr/>
+          <a:p>
+            <a:r>
+              <a:rPr lang="zh-TW" altLang="en-US"/>
+              <a:t>目前定義延誤代碼</a:t>
+            </a:r>
+            <a:r>
+              <a:rPr lang="en-US" altLang="zh-TW"/>
+              <a:t> </a:t>
+            </a:r>
+            <a:r>
+              <a:rPr lang="zh-TW" altLang="en-US">
+                <a:sym typeface="+mn-ea"/>
+              </a:rPr>
+              <a:t>P、C、G</a:t>
+            </a:r>
+            <a:r>
+              <a:rPr lang="en-US" altLang="zh-TW">
+                <a:sym typeface="+mn-ea"/>
+              </a:rPr>
+              <a:t> </a:t>
+            </a:r>
+            <a:r>
+              <a:rPr lang="zh-TW" altLang="en-US">
+                <a:sym typeface="+mn-ea"/>
+              </a:rPr>
+              <a:t>類為</a:t>
+            </a:r>
+            <a:r>
+              <a:rPr lang="zh-TW" altLang="en-US"/>
+              <a:t>可控因素，未來可能改為另有一欄位（由製表人</a:t>
+            </a:r>
+            <a:r>
+              <a:rPr lang="zh-TW" altLang="en-US"/>
+              <a:t>手動新增）註記</a:t>
+            </a:r>
+            <a:r>
+              <a:rPr lang="zh-TW" altLang="en-US"/>
+              <a:t>可控與否。</a:t>
+            </a:r>
+            <a:endParaRPr lang="zh-TW" altLang="en-US"/>
+          </a:p>
+          <a:p>
+            <a:r>
+              <a:rPr lang="zh-TW" altLang="en-US"/>
+              <a:t>針對延誤代碼進行交互分析，規則</a:t>
+            </a:r>
+            <a:r>
+              <a:rPr lang="zh-TW" altLang="en-US"/>
+              <a:t>與呈現方式待議。</a:t>
+            </a:r>
+            <a:endParaRPr lang="zh-TW" altLang="en-US"/>
           </a:p>
         </p:txBody>
       </p:sp>
@@ -3702,32 +5402,105 @@
         <p:nvPr/>
       </p:nvGrpSpPr>
       <p:grpSpPr/>
-      <p:pic>
-        <p:nvPicPr>
-          <p:cNvPr id="10" name="Content Placeholder 9"/>
-          <p:cNvPicPr>
-            <a:picLocks noChangeAspect="1"/>
-          </p:cNvPicPr>
+      <p:sp>
+        <p:nvSpPr>
+          <p:cNvPr id="2" name="Title 1"/>
+          <p:cNvSpPr>
+            <a:spLocks noGrp="1"/>
+          </p:cNvSpPr>
+          <p:nvPr>
+            <p:ph type="title"/>
+          </p:nvPr>
+        </p:nvSpPr>
+        <p:spPr/>
+        <p:txBody>
+          <a:bodyPr/>
+          <a:p>
+            <a:r>
+              <a:rPr lang="zh-TW" altLang="en-US"/>
+              <a:t>版本更新註記</a:t>
+            </a:r>
+            <a:endParaRPr lang="zh-TW" altLang="en-US"/>
+          </a:p>
+        </p:txBody>
+      </p:sp>
+      <p:sp>
+        <p:nvSpPr>
+          <p:cNvPr id="3" name="Content Placeholder 2"/>
+          <p:cNvSpPr>
+            <a:spLocks noGrp="1"/>
+          </p:cNvSpPr>
           <p:nvPr>
             <p:ph idx="1"/>
           </p:nvPr>
-        </p:nvPicPr>
-        <p:blipFill>
-          <a:blip r:embed="rId1"/>
-          <a:stretch>
-            <a:fillRect/>
-          </a:stretch>
-        </p:blipFill>
-        <p:spPr>
-          <a:xfrm>
-            <a:off x="0" y="-635"/>
-            <a:ext cx="12192000" cy="6858635"/>
-          </a:xfrm>
-          <a:prstGeom prst="rect">
-            <a:avLst/>
-          </a:prstGeom>
-        </p:spPr>
-      </p:pic>
+        </p:nvSpPr>
+        <p:spPr/>
+        <p:txBody>
+          <a:bodyPr/>
+          <a:p>
+            <a:r>
+              <a:rPr lang="en-US"/>
+              <a:t>更新重複航班之判別規則</a:t>
+            </a:r>
+            <a:r>
+              <a:rPr lang="zh-TW" altLang="en-US"/>
+              <a:t>。</a:t>
+            </a:r>
+            <a:endParaRPr lang="zh-TW" altLang="en-US"/>
+          </a:p>
+          <a:p>
+            <a:r>
+              <a:rPr lang="zh-TW" altLang="en-US"/>
+              <a:t>顯示滑回航班（RTR）、訓練航班（K）、客運包機（C）、空機飛渡（P）架次</a:t>
+            </a:r>
+            <a:r>
+              <a:rPr lang="zh-TW" altLang="en-US"/>
+              <a:t>。</a:t>
+            </a:r>
+            <a:endParaRPr lang="zh-TW" altLang="en-US"/>
+          </a:p>
+          <a:p>
+            <a:r>
+              <a:rPr lang="zh-TW" altLang="en-US"/>
+              <a:t>計算可控延誤（P、C、G）之航班訊息，包括延誤架次、受影響旅客人次、準時率</a:t>
+            </a:r>
+            <a:r>
+              <a:rPr lang="zh-TW" altLang="en-US"/>
+              <a:t>。</a:t>
+            </a:r>
+            <a:endParaRPr lang="zh-TW" altLang="en-US"/>
+          </a:p>
+          <a:p>
+            <a:r>
+              <a:rPr lang="zh-TW" altLang="en-US"/>
+              <a:t>更改表格顯示欄位為：時間區間、可控準時率、總架次、可控延誤架次、可控延誤乘客人次</a:t>
+            </a:r>
+            <a:r>
+              <a:rPr lang="zh-TW" altLang="en-US"/>
+              <a:t>。</a:t>
+            </a:r>
+            <a:endParaRPr lang="zh-TW" altLang="en-US"/>
+          </a:p>
+          <a:p>
+            <a:r>
+              <a:rPr lang="zh-TW" altLang="en-US"/>
+              <a:t>時分析與日分析之直方圖中的準時率改為可控準時率</a:t>
+            </a:r>
+            <a:r>
+              <a:rPr lang="zh-TW" altLang="en-US"/>
+              <a:t>。</a:t>
+            </a:r>
+            <a:endParaRPr lang="zh-TW" altLang="en-US"/>
+          </a:p>
+          <a:p>
+            <a:r>
+              <a:rPr lang="zh-TW" altLang="en-US"/>
+              <a:t>週分析與月分析之折線圖新增可控準時率折線。</a:t>
+            </a:r>
+            <a:endParaRPr lang="zh-TW" altLang="en-US"/>
+          </a:p>
+        </p:txBody>
+      </p:sp>
     </p:spTree>
   </p:cSld>
   <p:clrMapOvr>
@@ -3748,7 +5521,7 @@
       <p:grpSpPr/>
       <p:pic>
         <p:nvPicPr>
-          <p:cNvPr id="4" name="Content Placeholder 3"/>
+          <p:cNvPr id="7" name="Content Placeholder 6"/>
           <p:cNvPicPr>
             <a:picLocks noChangeAspect="1"/>
           </p:cNvPicPr>
@@ -3765,307 +5538,13 @@
         <p:spPr>
           <a:xfrm>
             <a:off x="0" y="0"/>
-            <a:ext cx="12192000" cy="6858635"/>
+            <a:ext cx="12191365" cy="6858000"/>
           </a:xfrm>
           <a:prstGeom prst="rect">
             <a:avLst/>
           </a:prstGeom>
         </p:spPr>
       </p:pic>
-      <p:sp>
-        <p:nvSpPr>
-          <p:cNvPr id="5" name="Rectangles 4"/>
-          <p:cNvSpPr/>
-          <p:nvPr/>
-        </p:nvSpPr>
-        <p:spPr>
-          <a:xfrm>
-            <a:off x="388620" y="1268730"/>
-            <a:ext cx="255905" cy="255905"/>
-          </a:xfrm>
-          <a:prstGeom prst="rect">
-            <a:avLst/>
-          </a:prstGeom>
-          <a:noFill/>
-          <a:ln w="28575">
-            <a:solidFill>
-              <a:srgbClr val="FF0000"/>
-            </a:solidFill>
-          </a:ln>
-          <a:extLst>
-            <a:ext uri="{909E8E84-426E-40DD-AFC4-6F175D3DCCD1}">
-              <a14:hiddenFill xmlns:a14="http://schemas.microsoft.com/office/drawing/2010/main">
-                <a:solidFill>
-                  <a:schemeClr val="accent1"/>
-                </a:solidFill>
-              </a14:hiddenFill>
-            </a:ext>
-          </a:extLst>
-        </p:spPr>
-        <p:style>
-          <a:lnRef idx="2">
-            <a:schemeClr val="accent1">
-              <a:lumMod val="75000"/>
-            </a:schemeClr>
-          </a:lnRef>
-          <a:fillRef idx="1">
-            <a:schemeClr val="accent1"/>
-          </a:fillRef>
-          <a:effectRef idx="0">
-            <a:srgbClr val="FFFFFF"/>
-          </a:effectRef>
-          <a:fontRef idx="minor">
-            <a:schemeClr val="lt1"/>
-          </a:fontRef>
-        </p:style>
-        <p:txBody>
-          <a:bodyPr rtlCol="0" anchor="ctr"/>
-          <a:p>
-            <a:pPr algn="ctr"/>
-            <a:endParaRPr lang="en-US"/>
-          </a:p>
-        </p:txBody>
-      </p:sp>
-      <p:cxnSp>
-        <p:nvCxnSpPr>
-          <p:cNvPr id="6" name="Straight Arrow Connector 5"/>
-          <p:cNvCxnSpPr/>
-          <p:nvPr/>
-        </p:nvCxnSpPr>
-        <p:spPr>
-          <a:xfrm flipH="1">
-            <a:off x="685800" y="1104900"/>
-            <a:ext cx="1166495" cy="142875"/>
-          </a:xfrm>
-          <a:prstGeom prst="straightConnector1">
-            <a:avLst/>
-          </a:prstGeom>
-          <a:ln>
-            <a:solidFill>
-              <a:srgbClr val="FF0000"/>
-            </a:solidFill>
-            <a:tailEnd type="arrow"/>
-          </a:ln>
-        </p:spPr>
-        <p:style>
-          <a:lnRef idx="2">
-            <a:schemeClr val="accent1"/>
-          </a:lnRef>
-          <a:fillRef idx="0">
-            <a:srgbClr val="FFFFFF"/>
-          </a:fillRef>
-          <a:effectRef idx="0">
-            <a:srgbClr val="FFFFFF"/>
-          </a:effectRef>
-          <a:fontRef idx="minor">
-            <a:schemeClr val="tx1"/>
-          </a:fontRef>
-        </p:style>
-      </p:cxnSp>
-      <p:sp>
-        <p:nvSpPr>
-          <p:cNvPr id="7" name="Text Box 6"/>
-          <p:cNvSpPr txBox="1"/>
-          <p:nvPr/>
-        </p:nvSpPr>
-        <p:spPr>
-          <a:xfrm>
-            <a:off x="1852295" y="900430"/>
-            <a:ext cx="4064000" cy="368300"/>
-          </a:xfrm>
-          <a:prstGeom prst="rect">
-            <a:avLst/>
-          </a:prstGeom>
-          <a:noFill/>
-        </p:spPr>
-        <p:txBody>
-          <a:bodyPr wrap="square" rtlCol="0">
-            <a:spAutoFit/>
-          </a:bodyPr>
-          <a:p>
-            <a:r>
-              <a:rPr lang="en-US">
-                <a:solidFill>
-                  <a:srgbClr val="FF0000"/>
-                </a:solidFill>
-              </a:rPr>
-              <a:t>Step 1: </a:t>
-            </a:r>
-            <a:r>
-              <a:rPr lang="zh-TW" altLang="en-US">
-                <a:solidFill>
-                  <a:srgbClr val="FF0000"/>
-                </a:solidFill>
-              </a:rPr>
-              <a:t>點這邊</a:t>
-            </a:r>
-            <a:endParaRPr lang="zh-TW" altLang="en-US">
-              <a:solidFill>
-                <a:srgbClr val="FF0000"/>
-              </a:solidFill>
-            </a:endParaRPr>
-          </a:p>
-        </p:txBody>
-      </p:sp>
-      <p:sp>
-        <p:nvSpPr>
-          <p:cNvPr id="8" name="Rectangles 7"/>
-          <p:cNvSpPr/>
-          <p:nvPr/>
-        </p:nvSpPr>
-        <p:spPr>
-          <a:xfrm>
-            <a:off x="624205" y="1743710"/>
-            <a:ext cx="521335" cy="255905"/>
-          </a:xfrm>
-          <a:prstGeom prst="rect">
-            <a:avLst/>
-          </a:prstGeom>
-          <a:noFill/>
-          <a:ln w="28575">
-            <a:solidFill>
-              <a:srgbClr val="FF0000"/>
-            </a:solidFill>
-          </a:ln>
-          <a:extLst>
-            <a:ext uri="{909E8E84-426E-40DD-AFC4-6F175D3DCCD1}">
-              <a14:hiddenFill xmlns:a14="http://schemas.microsoft.com/office/drawing/2010/main">
-                <a:solidFill>
-                  <a:schemeClr val="accent1"/>
-                </a:solidFill>
-              </a14:hiddenFill>
-            </a:ext>
-          </a:extLst>
-        </p:spPr>
-        <p:style>
-          <a:lnRef idx="2">
-            <a:schemeClr val="accent1">
-              <a:lumMod val="75000"/>
-            </a:schemeClr>
-          </a:lnRef>
-          <a:fillRef idx="1">
-            <a:schemeClr val="accent1"/>
-          </a:fillRef>
-          <a:effectRef idx="0">
-            <a:srgbClr val="FFFFFF"/>
-          </a:effectRef>
-          <a:fontRef idx="minor">
-            <a:schemeClr val="lt1"/>
-          </a:fontRef>
-        </p:style>
-        <p:txBody>
-          <a:bodyPr rtlCol="0" anchor="ctr"/>
-          <a:p>
-            <a:pPr algn="ctr"/>
-            <a:endParaRPr lang="en-US"/>
-          </a:p>
-        </p:txBody>
-      </p:sp>
-      <p:cxnSp>
-        <p:nvCxnSpPr>
-          <p:cNvPr id="9" name="Straight Arrow Connector 8"/>
-          <p:cNvCxnSpPr/>
-          <p:nvPr/>
-        </p:nvCxnSpPr>
-        <p:spPr>
-          <a:xfrm flipH="1" flipV="1">
-            <a:off x="1145540" y="1999615"/>
-            <a:ext cx="1300480" cy="118745"/>
-          </a:xfrm>
-          <a:prstGeom prst="straightConnector1">
-            <a:avLst/>
-          </a:prstGeom>
-          <a:ln>
-            <a:solidFill>
-              <a:srgbClr val="FF0000"/>
-            </a:solidFill>
-            <a:tailEnd type="arrow"/>
-          </a:ln>
-        </p:spPr>
-        <p:style>
-          <a:lnRef idx="2">
-            <a:schemeClr val="accent1"/>
-          </a:lnRef>
-          <a:fillRef idx="0">
-            <a:srgbClr val="FFFFFF"/>
-          </a:fillRef>
-          <a:effectRef idx="0">
-            <a:srgbClr val="FFFFFF"/>
-          </a:effectRef>
-          <a:fontRef idx="minor">
-            <a:schemeClr val="tx1"/>
-          </a:fontRef>
-        </p:style>
-      </p:cxnSp>
-      <p:sp>
-        <p:nvSpPr>
-          <p:cNvPr id="10" name="Text Box 9"/>
-          <p:cNvSpPr txBox="1"/>
-          <p:nvPr/>
-        </p:nvSpPr>
-        <p:spPr>
-          <a:xfrm>
-            <a:off x="2446020" y="1875155"/>
-            <a:ext cx="4064000" cy="368300"/>
-          </a:xfrm>
-          <a:prstGeom prst="rect">
-            <a:avLst/>
-          </a:prstGeom>
-          <a:noFill/>
-        </p:spPr>
-        <p:txBody>
-          <a:bodyPr wrap="square" rtlCol="0">
-            <a:spAutoFit/>
-          </a:bodyPr>
-          <a:p>
-            <a:r>
-              <a:rPr lang="en-US">
-                <a:solidFill>
-                  <a:srgbClr val="FF0000"/>
-                </a:solidFill>
-              </a:rPr>
-              <a:t>Step 2: </a:t>
-            </a:r>
-            <a:r>
-              <a:rPr lang="zh-TW" altLang="en-US">
-                <a:solidFill>
-                  <a:srgbClr val="FF0000"/>
-                </a:solidFill>
-              </a:rPr>
-              <a:t>點這裡上傳</a:t>
-            </a:r>
-            <a:r>
-              <a:rPr lang="en-US" altLang="zh-TW">
-                <a:solidFill>
-                  <a:srgbClr val="FF0000"/>
-                </a:solidFill>
-              </a:rPr>
-              <a:t> xls </a:t>
-            </a:r>
-            <a:r>
-              <a:rPr lang="zh-TW" altLang="en-US">
-                <a:solidFill>
-                  <a:srgbClr val="FF0000"/>
-                </a:solidFill>
-              </a:rPr>
-              <a:t>或</a:t>
-            </a:r>
-            <a:r>
-              <a:rPr lang="en-US" altLang="zh-TW">
-                <a:solidFill>
-                  <a:srgbClr val="FF0000"/>
-                </a:solidFill>
-              </a:rPr>
-              <a:t> csv</a:t>
-            </a:r>
-            <a:endParaRPr lang="en-US" altLang="zh-TW">
-              <a:solidFill>
-                <a:srgbClr val="FF0000"/>
-              </a:solidFill>
-            </a:endParaRPr>
-          </a:p>
-        </p:txBody>
-      </p:sp>
     </p:spTree>
   </p:cSld>
   <p:clrMapOvr>
@@ -4086,7 +5565,7 @@
       <p:grpSpPr/>
       <p:pic>
         <p:nvPicPr>
-          <p:cNvPr id="4" name="Content Placeholder 3"/>
+          <p:cNvPr id="3" name="Content Placeholder 2"/>
           <p:cNvPicPr>
             <a:picLocks noChangeAspect="1"/>
           </p:cNvPicPr>
@@ -4103,7 +5582,7 @@
         <p:spPr>
           <a:xfrm>
             <a:off x="0" y="0"/>
-            <a:ext cx="12189460" cy="6857365"/>
+            <a:ext cx="12192000" cy="6858635"/>
           </a:xfrm>
           <a:prstGeom prst="rect">
             <a:avLst/>
@@ -4112,13 +5591,13 @@
       </p:pic>
       <p:sp>
         <p:nvSpPr>
-          <p:cNvPr id="11" name="Rectangles 10"/>
+          <p:cNvPr id="10" name="Rectangles 9"/>
           <p:cNvSpPr/>
           <p:nvPr/>
         </p:nvSpPr>
         <p:spPr>
           <a:xfrm>
-            <a:off x="393700" y="2787650"/>
+            <a:off x="388620" y="922020"/>
             <a:ext cx="255905" cy="255905"/>
           </a:xfrm>
           <a:prstGeom prst="rect">
@@ -4166,14 +5645,16 @@
       </p:sp>
       <p:cxnSp>
         <p:nvCxnSpPr>
-          <p:cNvPr id="12" name="Straight Arrow Connector 11"/>
-          <p:cNvCxnSpPr/>
+          <p:cNvPr id="11" name="Straight Arrow Connector 10"/>
+          <p:cNvCxnSpPr>
+            <a:stCxn id="12" idx="1"/>
+          </p:cNvCxnSpPr>
           <p:nvPr/>
         </p:nvCxnSpPr>
         <p:spPr>
           <a:xfrm flipH="1">
-            <a:off x="649605" y="3037205"/>
-            <a:ext cx="1110615" cy="6350"/>
+            <a:off x="685800" y="829310"/>
+            <a:ext cx="1166495" cy="71755"/>
           </a:xfrm>
           <a:prstGeom prst="straightConnector1">
             <a:avLst/>
@@ -4202,13 +5683,13 @@
       </p:cxnSp>
       <p:sp>
         <p:nvSpPr>
-          <p:cNvPr id="13" name="Text Box 12"/>
+          <p:cNvPr id="12" name="Text Box 11"/>
           <p:cNvSpPr txBox="1"/>
           <p:nvPr/>
         </p:nvSpPr>
         <p:spPr>
           <a:xfrm>
-            <a:off x="1760220" y="2856230"/>
+            <a:off x="1852295" y="645160"/>
             <a:ext cx="4064000" cy="368300"/>
           </a:xfrm>
           <a:prstGeom prst="rect">
@@ -4227,7 +5708,7 @@
                   <a:srgbClr val="FF0000"/>
                 </a:solidFill>
               </a:rPr>
-              <a:t>Step 3: </a:t>
+              <a:t>Step 1: </a:t>
             </a:r>
             <a:r>
               <a:rPr lang="zh-TW" altLang="en-US">
@@ -4235,7 +5716,190 @@
                   <a:srgbClr val="FF0000"/>
                 </a:solidFill>
               </a:rPr>
-              <a:t>點這邊</a:t>
+              <a:t>點這邊執行</a:t>
+            </a:r>
+            <a:r>
+              <a:rPr lang="zh-TW" altLang="en-US">
+                <a:solidFill>
+                  <a:srgbClr val="FF0000"/>
+                </a:solidFill>
+              </a:rPr>
+              <a:t>程式碼，下同。</a:t>
+            </a:r>
+            <a:endParaRPr lang="zh-TW" altLang="en-US">
+              <a:solidFill>
+                <a:srgbClr val="FF0000"/>
+              </a:solidFill>
+            </a:endParaRPr>
+          </a:p>
+        </p:txBody>
+      </p:sp>
+      <p:sp>
+        <p:nvSpPr>
+          <p:cNvPr id="13" name="Rectangles 12"/>
+          <p:cNvSpPr/>
+          <p:nvPr/>
+        </p:nvSpPr>
+        <p:spPr>
+          <a:xfrm>
+            <a:off x="607695" y="1520825"/>
+            <a:ext cx="521335" cy="255905"/>
+          </a:xfrm>
+          <a:prstGeom prst="rect">
+            <a:avLst/>
+          </a:prstGeom>
+          <a:noFill/>
+          <a:ln w="28575">
+            <a:solidFill>
+              <a:srgbClr val="FF0000"/>
+            </a:solidFill>
+          </a:ln>
+          <a:extLst>
+            <a:ext uri="{909E8E84-426E-40DD-AFC4-6F175D3DCCD1}">
+              <a14:hiddenFill xmlns:a14="http://schemas.microsoft.com/office/drawing/2010/main">
+                <a:solidFill>
+                  <a:schemeClr val="accent1"/>
+                </a:solidFill>
+              </a14:hiddenFill>
+            </a:ext>
+          </a:extLst>
+        </p:spPr>
+        <p:style>
+          <a:lnRef idx="2">
+            <a:schemeClr val="accent1">
+              <a:lumMod val="75000"/>
+            </a:schemeClr>
+          </a:lnRef>
+          <a:fillRef idx="1">
+            <a:schemeClr val="accent1"/>
+          </a:fillRef>
+          <a:effectRef idx="0">
+            <a:srgbClr val="FFFFFF"/>
+          </a:effectRef>
+          <a:fontRef idx="minor">
+            <a:schemeClr val="lt1"/>
+          </a:fontRef>
+        </p:style>
+        <p:txBody>
+          <a:bodyPr rtlCol="0" anchor="ctr"/>
+          <a:p>
+            <a:pPr algn="ctr"/>
+            <a:endParaRPr lang="en-US"/>
+          </a:p>
+        </p:txBody>
+      </p:sp>
+      <p:cxnSp>
+        <p:nvCxnSpPr>
+          <p:cNvPr id="14" name="Straight Arrow Connector 13"/>
+          <p:cNvCxnSpPr/>
+          <p:nvPr/>
+        </p:nvCxnSpPr>
+        <p:spPr>
+          <a:xfrm flipH="1" flipV="1">
+            <a:off x="1129030" y="1776730"/>
+            <a:ext cx="1300480" cy="118745"/>
+          </a:xfrm>
+          <a:prstGeom prst="straightConnector1">
+            <a:avLst/>
+          </a:prstGeom>
+          <a:ln>
+            <a:solidFill>
+              <a:srgbClr val="FF0000"/>
+            </a:solidFill>
+            <a:tailEnd type="arrow"/>
+          </a:ln>
+        </p:spPr>
+        <p:style>
+          <a:lnRef idx="2">
+            <a:schemeClr val="accent1"/>
+          </a:lnRef>
+          <a:fillRef idx="0">
+            <a:srgbClr val="FFFFFF"/>
+          </a:fillRef>
+          <a:effectRef idx="0">
+            <a:srgbClr val="FFFFFF"/>
+          </a:effectRef>
+          <a:fontRef idx="minor">
+            <a:schemeClr val="tx1"/>
+          </a:fontRef>
+        </p:style>
+      </p:cxnSp>
+      <p:sp>
+        <p:nvSpPr>
+          <p:cNvPr id="15" name="Text Box 14"/>
+          <p:cNvSpPr txBox="1"/>
+          <p:nvPr/>
+        </p:nvSpPr>
+        <p:spPr>
+          <a:xfrm>
+            <a:off x="2429510" y="1710055"/>
+            <a:ext cx="5626735" cy="368300"/>
+          </a:xfrm>
+          <a:prstGeom prst="rect">
+            <a:avLst/>
+          </a:prstGeom>
+          <a:noFill/>
+        </p:spPr>
+        <p:txBody>
+          <a:bodyPr wrap="square" rtlCol="0">
+            <a:spAutoFit/>
+          </a:bodyPr>
+          <a:p>
+            <a:r>
+              <a:rPr lang="en-US">
+                <a:solidFill>
+                  <a:srgbClr val="FF0000"/>
+                </a:solidFill>
+              </a:rPr>
+              <a:t>Step 2: </a:t>
+            </a:r>
+            <a:r>
+              <a:rPr lang="zh-TW" altLang="en-US">
+                <a:solidFill>
+                  <a:srgbClr val="FF0000"/>
+                </a:solidFill>
+              </a:rPr>
+              <a:t>點這裡上傳</a:t>
+            </a:r>
+            <a:r>
+              <a:rPr lang="en-US" altLang="zh-TW">
+                <a:solidFill>
+                  <a:srgbClr val="FF0000"/>
+                </a:solidFill>
+              </a:rPr>
+              <a:t> xls </a:t>
+            </a:r>
+            <a:r>
+              <a:rPr lang="zh-TW" altLang="en-US">
+                <a:solidFill>
+                  <a:srgbClr val="FF0000"/>
+                </a:solidFill>
+              </a:rPr>
+              <a:t>或</a:t>
+            </a:r>
+            <a:r>
+              <a:rPr lang="en-US" altLang="zh-TW">
+                <a:solidFill>
+                  <a:srgbClr val="FF0000"/>
+                </a:solidFill>
+              </a:rPr>
+              <a:t> csv</a:t>
+            </a:r>
+            <a:r>
+              <a:rPr lang="zh-TW" altLang="en-US">
+                <a:solidFill>
+                  <a:srgbClr val="FF0000"/>
+                </a:solidFill>
+              </a:rPr>
+              <a:t>，可一次性</a:t>
+            </a:r>
+            <a:r>
+              <a:rPr lang="zh-TW" altLang="en-US">
+                <a:solidFill>
+                  <a:srgbClr val="FF0000"/>
+                </a:solidFill>
+              </a:rPr>
+              <a:t>上傳多個檔案。</a:t>
             </a:r>
             <a:endParaRPr lang="zh-TW" altLang="en-US">
               <a:solidFill>
@@ -4265,7 +5929,7 @@
       <p:grpSpPr/>
       <p:pic>
         <p:nvPicPr>
-          <p:cNvPr id="4" name="Content Placeholder 3"/>
+          <p:cNvPr id="6" name="Content Placeholder 5"/>
           <p:cNvPicPr>
             <a:picLocks noChangeAspect="1"/>
           </p:cNvPicPr>
@@ -4282,7 +5946,7 @@
         <p:spPr>
           <a:xfrm>
             <a:off x="0" y="0"/>
-            <a:ext cx="12192000" cy="6858635"/>
+            <a:ext cx="12189460" cy="6857365"/>
           </a:xfrm>
           <a:prstGeom prst="rect">
             <a:avLst/>
@@ -4291,14 +5955,14 @@
       </p:pic>
       <p:sp>
         <p:nvSpPr>
-          <p:cNvPr id="14" name="Rectangles 13"/>
+          <p:cNvPr id="8" name="Rectangles 7"/>
           <p:cNvSpPr/>
           <p:nvPr/>
         </p:nvSpPr>
         <p:spPr>
           <a:xfrm>
-            <a:off x="398780" y="2952750"/>
-            <a:ext cx="255905" cy="255905"/>
+            <a:off x="644525" y="2993390"/>
+            <a:ext cx="2224405" cy="255905"/>
           </a:xfrm>
           <a:prstGeom prst="rect">
             <a:avLst/>
@@ -4345,14 +6009,17 @@
       </p:sp>
       <p:cxnSp>
         <p:nvCxnSpPr>
-          <p:cNvPr id="15" name="Straight Arrow Connector 14"/>
-          <p:cNvCxnSpPr/>
+          <p:cNvPr id="17" name="Straight Arrow Connector 16"/>
+          <p:cNvCxnSpPr>
+            <a:stCxn id="9" idx="1"/>
+            <a:endCxn id="8" idx="3"/>
+          </p:cNvCxnSpPr>
           <p:nvPr/>
         </p:nvCxnSpPr>
         <p:spPr>
-          <a:xfrm flipH="1" flipV="1">
-            <a:off x="654685" y="3213100"/>
-            <a:ext cx="1560195" cy="186055"/>
+          <a:xfrm flipH="1">
+            <a:off x="2868930" y="3121660"/>
+            <a:ext cx="1375410" cy="0"/>
           </a:xfrm>
           <a:prstGeom prst="straightConnector1">
             <a:avLst/>
@@ -4381,14 +6048,14 @@
       </p:cxnSp>
       <p:sp>
         <p:nvSpPr>
-          <p:cNvPr id="16" name="Text Box 15"/>
+          <p:cNvPr id="9" name="Text Box 8"/>
           <p:cNvSpPr txBox="1"/>
           <p:nvPr/>
         </p:nvSpPr>
         <p:spPr>
           <a:xfrm>
-            <a:off x="2214880" y="3218180"/>
-            <a:ext cx="4064000" cy="368300"/>
+            <a:off x="4244340" y="2799080"/>
+            <a:ext cx="5019675" cy="645160"/>
           </a:xfrm>
           <a:prstGeom prst="rect">
             <a:avLst/>
@@ -4406,7 +6073,7 @@
                   <a:srgbClr val="FF0000"/>
                 </a:solidFill>
               </a:rPr>
-              <a:t>Step 4: </a:t>
+              <a:t>Step 3: </a:t>
             </a:r>
             <a:r>
               <a:rPr lang="zh-TW" altLang="en-US">
@@ -4414,7 +6081,31 @@
                   <a:srgbClr val="FF0000"/>
                 </a:solidFill>
               </a:rPr>
-              <a:t>點這邊</a:t>
+              <a:t>在這裡輸入欲分析日期區間（</a:t>
+            </a:r>
+            <a:r>
+              <a:rPr lang="en-US" altLang="zh-TW">
+                <a:solidFill>
+                  <a:srgbClr val="FF0000"/>
+                </a:solidFill>
+              </a:rPr>
+              <a:t>UTC+8</a:t>
+            </a:r>
+            <a:r>
+              <a:rPr lang="zh-TW" altLang="en-US">
+                <a:solidFill>
+                  <a:srgbClr val="FF0000"/>
+                </a:solidFill>
+              </a:rPr>
+              <a:t>），若</a:t>
+            </a:r>
+            <a:r>
+              <a:rPr lang="zh-TW" altLang="en-US">
+                <a:solidFill>
+                  <a:srgbClr val="FF0000"/>
+                </a:solidFill>
+              </a:rPr>
+              <a:t>設定區間大於資料區間則只會分析資料區間。</a:t>
             </a:r>
             <a:endParaRPr lang="zh-TW" altLang="en-US">
               <a:solidFill>
@@ -4444,7 +6135,7 @@
       <p:grpSpPr/>
       <p:pic>
         <p:nvPicPr>
-          <p:cNvPr id="4" name="Content Placeholder 3"/>
+          <p:cNvPr id="8" name="Content Placeholder 7"/>
           <p:cNvPicPr>
             <a:picLocks noChangeAspect="1"/>
           </p:cNvPicPr>
@@ -4461,7 +6152,7 @@
         <p:spPr>
           <a:xfrm>
             <a:off x="0" y="0"/>
-            <a:ext cx="12189460" cy="6857365"/>
+            <a:ext cx="12191365" cy="6858000"/>
           </a:xfrm>
           <a:prstGeom prst="rect">
             <a:avLst/>
@@ -4470,14 +6161,106 @@
       </p:pic>
       <p:sp>
         <p:nvSpPr>
-          <p:cNvPr id="17" name="Rectangles 16"/>
+          <p:cNvPr id="20" name="Text Box 19"/>
+          <p:cNvSpPr txBox="1"/>
+          <p:nvPr/>
+        </p:nvSpPr>
+        <p:spPr>
+          <a:xfrm>
+            <a:off x="2429510" y="1749425"/>
+            <a:ext cx="4064000" cy="368300"/>
+          </a:xfrm>
+          <a:prstGeom prst="rect">
+            <a:avLst/>
+          </a:prstGeom>
+          <a:noFill/>
+        </p:spPr>
+        <p:txBody>
+          <a:bodyPr wrap="square" rtlCol="0">
+            <a:spAutoFit/>
+          </a:bodyPr>
+          <a:p>
+            <a:r>
+              <a:rPr lang="en-US">
+                <a:solidFill>
+                  <a:srgbClr val="FF0000"/>
+                </a:solidFill>
+              </a:rPr>
+              <a:t>Step 4: </a:t>
+            </a:r>
+            <a:r>
+              <a:rPr lang="zh-TW" altLang="en-US">
+                <a:solidFill>
+                  <a:srgbClr val="FF0000"/>
+                </a:solidFill>
+              </a:rPr>
+              <a:t>依序執行這兩段</a:t>
+            </a:r>
+            <a:r>
+              <a:rPr lang="zh-TW" altLang="en-US">
+                <a:solidFill>
+                  <a:srgbClr val="FF0000"/>
+                </a:solidFill>
+              </a:rPr>
+              <a:t>程序。</a:t>
+            </a:r>
+            <a:endParaRPr lang="zh-TW" altLang="en-US">
+              <a:solidFill>
+                <a:srgbClr val="FF0000"/>
+              </a:solidFill>
+            </a:endParaRPr>
+          </a:p>
+        </p:txBody>
+      </p:sp>
+      <p:cxnSp>
+        <p:nvCxnSpPr>
+          <p:cNvPr id="22" name="Straight Arrow Connector 21"/>
+          <p:cNvCxnSpPr>
+            <a:stCxn id="20" idx="1"/>
+            <a:endCxn id="23" idx="3"/>
+          </p:cNvCxnSpPr>
+          <p:nvPr/>
+        </p:nvCxnSpPr>
+        <p:spPr>
+          <a:xfrm flipH="1" flipV="1">
+            <a:off x="644525" y="1531620"/>
+            <a:ext cx="1784985" cy="401955"/>
+          </a:xfrm>
+          <a:prstGeom prst="straightConnector1">
+            <a:avLst/>
+          </a:prstGeom>
+          <a:ln>
+            <a:solidFill>
+              <a:srgbClr val="FF0000"/>
+            </a:solidFill>
+            <a:tailEnd type="arrow"/>
+          </a:ln>
+        </p:spPr>
+        <p:style>
+          <a:lnRef idx="2">
+            <a:schemeClr val="accent1"/>
+          </a:lnRef>
+          <a:fillRef idx="0">
+            <a:srgbClr val="FFFFFF"/>
+          </a:fillRef>
+          <a:effectRef idx="0">
+            <a:srgbClr val="FFFFFF"/>
+          </a:effectRef>
+          <a:fontRef idx="minor">
+            <a:schemeClr val="tx1"/>
+          </a:fontRef>
+        </p:style>
+      </p:cxnSp>
+      <p:sp>
+        <p:nvSpPr>
+          <p:cNvPr id="23" name="Rectangles 22"/>
           <p:cNvSpPr/>
           <p:nvPr/>
         </p:nvSpPr>
         <p:spPr>
           <a:xfrm>
-            <a:off x="398780" y="3949065"/>
-            <a:ext cx="255905" cy="2169795"/>
+            <a:off x="388620" y="1403350"/>
+            <a:ext cx="255905" cy="255905"/>
           </a:xfrm>
           <a:prstGeom prst="rect">
             <a:avLst/>
@@ -4522,18 +6305,73 @@
           </a:p>
         </p:txBody>
       </p:sp>
+      <p:sp>
+        <p:nvSpPr>
+          <p:cNvPr id="24" name="Rectangles 23"/>
+          <p:cNvSpPr/>
+          <p:nvPr/>
+        </p:nvSpPr>
+        <p:spPr>
+          <a:xfrm>
+            <a:off x="388620" y="2206625"/>
+            <a:ext cx="255905" cy="255905"/>
+          </a:xfrm>
+          <a:prstGeom prst="rect">
+            <a:avLst/>
+          </a:prstGeom>
+          <a:noFill/>
+          <a:ln w="28575">
+            <a:solidFill>
+              <a:srgbClr val="FF0000"/>
+            </a:solidFill>
+          </a:ln>
+          <a:extLst>
+            <a:ext uri="{909E8E84-426E-40DD-AFC4-6F175D3DCCD1}">
+              <a14:hiddenFill xmlns:a14="http://schemas.microsoft.com/office/drawing/2010/main">
+                <a:solidFill>
+                  <a:schemeClr val="accent1"/>
+                </a:solidFill>
+              </a14:hiddenFill>
+            </a:ext>
+          </a:extLst>
+        </p:spPr>
+        <p:style>
+          <a:lnRef idx="2">
+            <a:schemeClr val="accent1">
+              <a:lumMod val="75000"/>
+            </a:schemeClr>
+          </a:lnRef>
+          <a:fillRef idx="1">
+            <a:schemeClr val="accent1"/>
+          </a:fillRef>
+          <a:effectRef idx="0">
+            <a:srgbClr val="FFFFFF"/>
+          </a:effectRef>
+          <a:fontRef idx="minor">
+            <a:schemeClr val="lt1"/>
+          </a:fontRef>
+        </p:style>
+        <p:txBody>
+          <a:bodyPr rtlCol="0" anchor="ctr"/>
+          <a:p>
+            <a:pPr algn="ctr"/>
+            <a:endParaRPr lang="en-US"/>
+          </a:p>
+        </p:txBody>
+      </p:sp>
       <p:cxnSp>
         <p:nvCxnSpPr>
-          <p:cNvPr id="18" name="Straight Arrow Connector 17"/>
+          <p:cNvPr id="25" name="Straight Arrow Connector 24"/>
           <p:cNvCxnSpPr>
-            <a:stCxn id="19" idx="1"/>
+            <a:stCxn id="20" idx="1"/>
+            <a:endCxn id="24" idx="3"/>
           </p:cNvCxnSpPr>
           <p:nvPr/>
         </p:nvCxnSpPr>
         <p:spPr>
           <a:xfrm flipH="1">
-            <a:off x="644525" y="3889375"/>
-            <a:ext cx="1473835" cy="62865"/>
+            <a:off x="644525" y="1933575"/>
+            <a:ext cx="1784985" cy="401320"/>
           </a:xfrm>
           <a:prstGeom prst="straightConnector1">
             <a:avLst/>
@@ -4562,14 +6400,68 @@
       </p:cxnSp>
       <p:sp>
         <p:nvSpPr>
-          <p:cNvPr id="19" name="Text Box 18"/>
+          <p:cNvPr id="10" name="Rectangles 9"/>
+          <p:cNvSpPr/>
+          <p:nvPr/>
+        </p:nvSpPr>
+        <p:spPr>
+          <a:xfrm>
+            <a:off x="644525" y="2609215"/>
+            <a:ext cx="1784985" cy="1736090"/>
+          </a:xfrm>
+          <a:prstGeom prst="rect">
+            <a:avLst/>
+          </a:prstGeom>
+          <a:noFill/>
+          <a:ln w="28575">
+            <a:solidFill>
+              <a:srgbClr val="FF0000"/>
+            </a:solidFill>
+          </a:ln>
+          <a:extLst>
+            <a:ext uri="{909E8E84-426E-40DD-AFC4-6F175D3DCCD1}">
+              <a14:hiddenFill xmlns:a14="http://schemas.microsoft.com/office/drawing/2010/main">
+                <a:solidFill>
+                  <a:schemeClr val="accent1"/>
+                </a:solidFill>
+              </a14:hiddenFill>
+            </a:ext>
+          </a:extLst>
+        </p:spPr>
+        <p:style>
+          <a:lnRef idx="2">
+            <a:schemeClr val="accent1">
+              <a:lumMod val="75000"/>
+            </a:schemeClr>
+          </a:lnRef>
+          <a:fillRef idx="1">
+            <a:schemeClr val="accent1"/>
+          </a:fillRef>
+          <a:effectRef idx="0">
+            <a:srgbClr val="FFFFFF"/>
+          </a:effectRef>
+          <a:fontRef idx="minor">
+            <a:schemeClr val="lt1"/>
+          </a:fontRef>
+        </p:style>
+        <p:txBody>
+          <a:bodyPr rtlCol="0" anchor="ctr"/>
+          <a:p>
+            <a:pPr algn="ctr"/>
+            <a:endParaRPr lang="en-US"/>
+          </a:p>
+        </p:txBody>
+      </p:sp>
+      <p:sp>
+        <p:nvSpPr>
+          <p:cNvPr id="14" name="Text Box 13"/>
           <p:cNvSpPr txBox="1"/>
           <p:nvPr/>
         </p:nvSpPr>
         <p:spPr>
           <a:xfrm>
-            <a:off x="2118360" y="3705225"/>
-            <a:ext cx="4064000" cy="368300"/>
+            <a:off x="2429510" y="3293110"/>
+            <a:ext cx="4554855" cy="368300"/>
           </a:xfrm>
           <a:prstGeom prst="rect">
             <a:avLst/>
@@ -4582,12 +6474,12 @@
           </a:bodyPr>
           <a:p>
             <a:r>
-              <a:rPr lang="en-US">
+              <a:rPr lang="zh-TW" altLang="en-US">
                 <a:solidFill>
                   <a:srgbClr val="FF0000"/>
                 </a:solidFill>
               </a:rPr>
-              <a:t>Step 5: </a:t>
+              <a:t>執行完之後會顯示時段內的航班</a:t>
             </a:r>
             <a:r>
               <a:rPr lang="zh-TW" altLang="en-US">
@@ -4595,7 +6487,7 @@
                   <a:srgbClr val="FF0000"/>
                 </a:solidFill>
               </a:rPr>
-              <a:t>點有興趣的功能</a:t>
+              <a:t>統計資訊。</a:t>
             </a:r>
             <a:endParaRPr lang="zh-TW" altLang="en-US">
               <a:solidFill>
@@ -4625,7 +6517,7 @@
       <p:grpSpPr/>
       <p:pic>
         <p:nvPicPr>
-          <p:cNvPr id="4" name="Content Placeholder 3"/>
+          <p:cNvPr id="3" name="Content Placeholder 2"/>
           <p:cNvPicPr>
             <a:picLocks noChangeAspect="1"/>
           </p:cNvPicPr>
@@ -4642,7 +6534,7 @@
         <p:spPr>
           <a:xfrm>
             <a:off x="0" y="0"/>
-            <a:ext cx="12192000" cy="6858635"/>
+            <a:ext cx="12191365" cy="6858000"/>
           </a:xfrm>
           <a:prstGeom prst="rect">
             <a:avLst/>
@@ -4651,14 +6543,14 @@
       </p:pic>
       <p:sp>
         <p:nvSpPr>
-          <p:cNvPr id="11" name="Rectangles 10"/>
+          <p:cNvPr id="26" name="Rectangles 25"/>
           <p:cNvSpPr/>
           <p:nvPr/>
         </p:nvSpPr>
         <p:spPr>
           <a:xfrm>
-            <a:off x="20320" y="1171575"/>
-            <a:ext cx="255905" cy="255905"/>
+            <a:off x="388620" y="3062605"/>
+            <a:ext cx="255905" cy="2112010"/>
           </a:xfrm>
           <a:prstGeom prst="rect">
             <a:avLst/>
@@ -4703,16 +6595,71 @@
           </a:p>
         </p:txBody>
       </p:sp>
+      <p:sp>
+        <p:nvSpPr>
+          <p:cNvPr id="28" name="Text Box 27"/>
+          <p:cNvSpPr txBox="1"/>
+          <p:nvPr/>
+        </p:nvSpPr>
+        <p:spPr>
+          <a:xfrm>
+            <a:off x="2118360" y="2693670"/>
+            <a:ext cx="4064000" cy="368300"/>
+          </a:xfrm>
+          <a:prstGeom prst="rect">
+            <a:avLst/>
+          </a:prstGeom>
+          <a:noFill/>
+        </p:spPr>
+        <p:txBody>
+          <a:bodyPr wrap="square" rtlCol="0">
+            <a:spAutoFit/>
+          </a:bodyPr>
+          <a:p>
+            <a:r>
+              <a:rPr lang="en-US">
+                <a:solidFill>
+                  <a:srgbClr val="FF0000"/>
+                </a:solidFill>
+              </a:rPr>
+              <a:t>Step 5: </a:t>
+            </a:r>
+            <a:r>
+              <a:rPr lang="zh-TW" altLang="en-US">
+                <a:solidFill>
+                  <a:srgbClr val="FF0000"/>
+                </a:solidFill>
+              </a:rPr>
+              <a:t>執行有興趣的功能</a:t>
+            </a:r>
+            <a:r>
+              <a:rPr lang="zh-TW" altLang="en-US">
+                <a:solidFill>
+                  <a:srgbClr val="FF0000"/>
+                </a:solidFill>
+              </a:rPr>
+              <a:t>進行分析。</a:t>
+            </a:r>
+            <a:endParaRPr lang="zh-TW" altLang="en-US">
+              <a:solidFill>
+                <a:srgbClr val="FF0000"/>
+              </a:solidFill>
+            </a:endParaRPr>
+          </a:p>
+        </p:txBody>
+      </p:sp>
       <p:cxnSp>
         <p:nvCxnSpPr>
-          <p:cNvPr id="18" name="Straight Arrow Connector 17"/>
-          <p:cNvCxnSpPr/>
+          <p:cNvPr id="29" name="Straight Arrow Connector 28"/>
+          <p:cNvCxnSpPr>
+            <a:stCxn id="28" idx="1"/>
+          </p:cNvCxnSpPr>
           <p:nvPr/>
         </p:nvCxnSpPr>
         <p:spPr>
           <a:xfrm flipH="1">
-            <a:off x="276225" y="1419225"/>
-            <a:ext cx="3400425" cy="8255"/>
+            <a:off x="644525" y="2877820"/>
+            <a:ext cx="1473835" cy="179705"/>
           </a:xfrm>
           <a:prstGeom prst="straightConnector1">
             <a:avLst/>
@@ -4739,59 +6686,6 @@
           </a:fontRef>
         </p:style>
       </p:cxnSp>
-      <p:sp>
-        <p:nvSpPr>
-          <p:cNvPr id="19" name="Text Box 18"/>
-          <p:cNvSpPr txBox="1"/>
-          <p:nvPr/>
-        </p:nvSpPr>
-        <p:spPr>
-          <a:xfrm>
-            <a:off x="3676650" y="1239520"/>
-            <a:ext cx="4064000" cy="368300"/>
-          </a:xfrm>
-          <a:prstGeom prst="rect">
-            <a:avLst/>
-          </a:prstGeom>
-          <a:noFill/>
-        </p:spPr>
-        <p:txBody>
-          <a:bodyPr wrap="square" rtlCol="0">
-            <a:spAutoFit/>
-          </a:bodyPr>
-          <a:p>
-            <a:r>
-              <a:rPr lang="en-US">
-                <a:solidFill>
-                  <a:srgbClr val="FF0000"/>
-                </a:solidFill>
-              </a:rPr>
-              <a:t>Step 6: </a:t>
-            </a:r>
-            <a:r>
-              <a:rPr lang="zh-TW" altLang="en-US">
-                <a:solidFill>
-                  <a:srgbClr val="FF0000"/>
-                </a:solidFill>
-              </a:rPr>
-              <a:t>點這邊可以看</a:t>
-            </a:r>
-            <a:r>
-              <a:rPr lang="zh-TW" altLang="en-US">
-                <a:solidFill>
-                  <a:srgbClr val="FF0000"/>
-                </a:solidFill>
-              </a:rPr>
-              <a:t>輸出的資料</a:t>
-            </a:r>
-            <a:endParaRPr lang="zh-TW" altLang="en-US">
-              <a:solidFill>
-                <a:srgbClr val="FF0000"/>
-              </a:solidFill>
-            </a:endParaRPr>
-          </a:p>
-        </p:txBody>
-      </p:sp>
     </p:spTree>
   </p:cSld>
   <p:clrMapOvr>
@@ -4838,14 +6732,14 @@
       </p:pic>
       <p:sp>
         <p:nvSpPr>
-          <p:cNvPr id="11" name="Rectangles 10"/>
+          <p:cNvPr id="10" name="Rectangles 9"/>
           <p:cNvSpPr/>
           <p:nvPr/>
         </p:nvSpPr>
         <p:spPr>
           <a:xfrm>
-            <a:off x="276225" y="895350"/>
-            <a:ext cx="1850390" cy="1550035"/>
+            <a:off x="644525" y="755650"/>
+            <a:ext cx="1784985" cy="1528445"/>
           </a:xfrm>
           <a:prstGeom prst="rect">
             <a:avLst/>
@@ -4890,16 +6784,224 @@
           </a:p>
         </p:txBody>
       </p:sp>
+      <p:sp>
+        <p:nvSpPr>
+          <p:cNvPr id="14" name="Text Box 13"/>
+          <p:cNvSpPr txBox="1"/>
+          <p:nvPr/>
+        </p:nvSpPr>
+        <p:spPr>
+          <a:xfrm>
+            <a:off x="2429510" y="1335405"/>
+            <a:ext cx="4554855" cy="368300"/>
+          </a:xfrm>
+          <a:prstGeom prst="rect">
+            <a:avLst/>
+          </a:prstGeom>
+          <a:noFill/>
+        </p:spPr>
+        <p:txBody>
+          <a:bodyPr wrap="square" rtlCol="0">
+            <a:spAutoFit/>
+          </a:bodyPr>
+          <a:p>
+            <a:r>
+              <a:rPr lang="zh-TW" altLang="en-US">
+                <a:solidFill>
+                  <a:srgbClr val="FF0000"/>
+                </a:solidFill>
+              </a:rPr>
+              <a:t>全時段會顯示</a:t>
+            </a:r>
+            <a:r>
+              <a:rPr lang="zh-TW" altLang="en-US">
+                <a:solidFill>
+                  <a:srgbClr val="FF0000"/>
+                </a:solidFill>
+              </a:rPr>
+              <a:t>簡單的統計資訊</a:t>
+            </a:r>
+            <a:r>
+              <a:rPr lang="zh-TW" altLang="en-US">
+                <a:solidFill>
+                  <a:srgbClr val="FF0000"/>
+                </a:solidFill>
+              </a:rPr>
+              <a:t>。</a:t>
+            </a:r>
+            <a:endParaRPr lang="zh-TW" altLang="en-US">
+              <a:solidFill>
+                <a:srgbClr val="FF0000"/>
+              </a:solidFill>
+            </a:endParaRPr>
+          </a:p>
+        </p:txBody>
+      </p:sp>
+      <p:sp>
+        <p:nvSpPr>
+          <p:cNvPr id="6" name="Rectangles 5"/>
+          <p:cNvSpPr/>
+          <p:nvPr/>
+        </p:nvSpPr>
+        <p:spPr>
+          <a:xfrm>
+            <a:off x="644525" y="2487295"/>
+            <a:ext cx="2881630" cy="340360"/>
+          </a:xfrm>
+          <a:prstGeom prst="rect">
+            <a:avLst/>
+          </a:prstGeom>
+          <a:noFill/>
+          <a:ln w="28575">
+            <a:solidFill>
+              <a:srgbClr val="FF0000"/>
+            </a:solidFill>
+          </a:ln>
+          <a:extLst>
+            <a:ext uri="{909E8E84-426E-40DD-AFC4-6F175D3DCCD1}">
+              <a14:hiddenFill xmlns:a14="http://schemas.microsoft.com/office/drawing/2010/main">
+                <a:solidFill>
+                  <a:schemeClr val="accent1"/>
+                </a:solidFill>
+              </a14:hiddenFill>
+            </a:ext>
+          </a:extLst>
+        </p:spPr>
+        <p:style>
+          <a:lnRef idx="2">
+            <a:schemeClr val="accent1">
+              <a:lumMod val="75000"/>
+            </a:schemeClr>
+          </a:lnRef>
+          <a:fillRef idx="1">
+            <a:schemeClr val="accent1"/>
+          </a:fillRef>
+          <a:effectRef idx="0">
+            <a:srgbClr val="FFFFFF"/>
+          </a:effectRef>
+          <a:fontRef idx="minor">
+            <a:schemeClr val="lt1"/>
+          </a:fontRef>
+        </p:style>
+        <p:txBody>
+          <a:bodyPr rtlCol="0" anchor="ctr"/>
+          <a:p>
+            <a:pPr algn="ctr"/>
+            <a:endParaRPr lang="en-US"/>
+          </a:p>
+        </p:txBody>
+      </p:sp>
+      <p:sp>
+        <p:nvSpPr>
+          <p:cNvPr id="8" name="Rectangles 7"/>
+          <p:cNvSpPr/>
+          <p:nvPr/>
+        </p:nvSpPr>
+        <p:spPr>
+          <a:xfrm>
+            <a:off x="644525" y="3536950"/>
+            <a:ext cx="2881630" cy="2792730"/>
+          </a:xfrm>
+          <a:prstGeom prst="rect">
+            <a:avLst/>
+          </a:prstGeom>
+          <a:noFill/>
+          <a:ln w="28575">
+            <a:solidFill>
+              <a:srgbClr val="FF0000"/>
+            </a:solidFill>
+          </a:ln>
+          <a:extLst>
+            <a:ext uri="{909E8E84-426E-40DD-AFC4-6F175D3DCCD1}">
+              <a14:hiddenFill xmlns:a14="http://schemas.microsoft.com/office/drawing/2010/main">
+                <a:solidFill>
+                  <a:schemeClr val="accent1"/>
+                </a:solidFill>
+              </a14:hiddenFill>
+            </a:ext>
+          </a:extLst>
+        </p:spPr>
+        <p:style>
+          <a:lnRef idx="2">
+            <a:schemeClr val="accent1">
+              <a:lumMod val="75000"/>
+            </a:schemeClr>
+          </a:lnRef>
+          <a:fillRef idx="1">
+            <a:schemeClr val="accent1"/>
+          </a:fillRef>
+          <a:effectRef idx="0">
+            <a:srgbClr val="FFFFFF"/>
+          </a:effectRef>
+          <a:fontRef idx="minor">
+            <a:schemeClr val="lt1"/>
+          </a:fontRef>
+        </p:style>
+        <p:txBody>
+          <a:bodyPr rtlCol="0" anchor="ctr"/>
+          <a:p>
+            <a:pPr algn="ctr"/>
+            <a:endParaRPr lang="en-US"/>
+          </a:p>
+        </p:txBody>
+      </p:sp>
+      <p:sp>
+        <p:nvSpPr>
+          <p:cNvPr id="9" name="Text Box 8"/>
+          <p:cNvSpPr txBox="1"/>
+          <p:nvPr/>
+        </p:nvSpPr>
+        <p:spPr>
+          <a:xfrm>
+            <a:off x="5238750" y="3049270"/>
+            <a:ext cx="5419725" cy="368300"/>
+          </a:xfrm>
+          <a:prstGeom prst="rect">
+            <a:avLst/>
+          </a:prstGeom>
+          <a:noFill/>
+        </p:spPr>
+        <p:txBody>
+          <a:bodyPr wrap="square" rtlCol="0">
+            <a:spAutoFit/>
+          </a:bodyPr>
+          <a:p>
+            <a:r>
+              <a:rPr lang="zh-TW" altLang="en-US">
+                <a:solidFill>
+                  <a:srgbClr val="FF0000"/>
+                </a:solidFill>
+              </a:rPr>
+              <a:t>會依時段顯示總航班數與可控延誤的統計表</a:t>
+            </a:r>
+            <a:r>
+              <a:rPr lang="zh-TW" altLang="en-US">
+                <a:solidFill>
+                  <a:srgbClr val="FF0000"/>
+                </a:solidFill>
+              </a:rPr>
+              <a:t>，下同。</a:t>
+            </a:r>
+            <a:endParaRPr lang="zh-TW" altLang="en-US">
+              <a:solidFill>
+                <a:srgbClr val="FF0000"/>
+              </a:solidFill>
+            </a:endParaRPr>
+          </a:p>
+        </p:txBody>
+      </p:sp>
       <p:cxnSp>
         <p:nvCxnSpPr>
-          <p:cNvPr id="18" name="Straight Arrow Connector 17"/>
-          <p:cNvCxnSpPr/>
+          <p:cNvPr id="22" name="Straight Arrow Connector 21"/>
+          <p:cNvCxnSpPr>
+            <a:stCxn id="9" idx="1"/>
+          </p:cNvCxnSpPr>
           <p:nvPr/>
         </p:nvCxnSpPr>
         <p:spPr>
-          <a:xfrm flipV="1">
-            <a:off x="1563370" y="2453640"/>
-            <a:ext cx="7620" cy="954405"/>
+          <a:xfrm flipH="1" flipV="1">
+            <a:off x="3526155" y="2827655"/>
+            <a:ext cx="1712595" cy="405765"/>
           </a:xfrm>
           <a:prstGeom prst="straightConnector1">
             <a:avLst/>
@@ -4926,43 +7028,44 @@
           </a:fontRef>
         </p:style>
       </p:cxnSp>
-      <p:sp>
-        <p:nvSpPr>
-          <p:cNvPr id="19" name="Text Box 18"/>
-          <p:cNvSpPr txBox="1"/>
+      <p:cxnSp>
+        <p:nvCxnSpPr>
+          <p:cNvPr id="25" name="Straight Arrow Connector 24"/>
+          <p:cNvCxnSpPr>
+            <a:stCxn id="9" idx="1"/>
+          </p:cNvCxnSpPr>
           <p:nvPr/>
-        </p:nvSpPr>
-        <p:spPr>
-          <a:xfrm>
-            <a:off x="276225" y="3408045"/>
-            <a:ext cx="1850390" cy="1198880"/>
-          </a:xfrm>
-          <a:prstGeom prst="rect">
-            <a:avLst/>
-          </a:prstGeom>
-          <a:noFill/>
-        </p:spPr>
-        <p:txBody>
-          <a:bodyPr wrap="square" rtlCol="0">
-            <a:spAutoFit/>
-          </a:bodyPr>
-          <a:p>
-            <a:r>
-              <a:rPr lang="zh-TW" altLang="en-US">
-                <a:solidFill>
-                  <a:srgbClr val="FF0000"/>
-                </a:solidFill>
-              </a:rPr>
-              <a:t>剛剛輸出的資料在這邊，有圖跟表，雙點擊可打開來看</a:t>
-            </a:r>
-            <a:endParaRPr lang="zh-TW" altLang="en-US">
-              <a:solidFill>
-                <a:srgbClr val="FF0000"/>
-              </a:solidFill>
-            </a:endParaRPr>
-          </a:p>
-        </p:txBody>
-      </p:sp>
+        </p:nvCxnSpPr>
+        <p:spPr>
+          <a:xfrm flipH="1">
+            <a:off x="3526155" y="3233420"/>
+            <a:ext cx="1712595" cy="303530"/>
+          </a:xfrm>
+          <a:prstGeom prst="straightConnector1">
+            <a:avLst/>
+          </a:prstGeom>
+          <a:ln>
+            <a:solidFill>
+              <a:srgbClr val="FF0000"/>
+            </a:solidFill>
+            <a:tailEnd type="arrow"/>
+          </a:ln>
+        </p:spPr>
+        <p:style>
+          <a:lnRef idx="2">
+            <a:schemeClr val="accent1"/>
+          </a:lnRef>
+          <a:fillRef idx="0">
+            <a:srgbClr val="FFFFFF"/>
+          </a:fillRef>
+          <a:effectRef idx="0">
+            <a:srgbClr val="FFFFFF"/>
+          </a:effectRef>
+          <a:fontRef idx="minor">
+            <a:schemeClr val="tx1"/>
+          </a:fontRef>
+        </p:style>
+      </p:cxnSp>
     </p:spTree>
   </p:cSld>
   <p:clrMapOvr>
@@ -4983,7 +7086,7 @@
       <p:grpSpPr/>
       <p:pic>
         <p:nvPicPr>
-          <p:cNvPr id="4" name="Content Placeholder 3"/>
+          <p:cNvPr id="3" name="Content Placeholder 2"/>
           <p:cNvPicPr>
             <a:picLocks noChangeAspect="1"/>
           </p:cNvPicPr>
@@ -5000,7 +7103,7 @@
         <p:spPr>
           <a:xfrm>
             <a:off x="0" y="0"/>
-            <a:ext cx="12189460" cy="6857365"/>
+            <a:ext cx="12192000" cy="6858635"/>
           </a:xfrm>
           <a:prstGeom prst="rect">
             <a:avLst/>
@@ -5015,8 +7118,8 @@
         </p:nvSpPr>
         <p:spPr>
           <a:xfrm>
-            <a:off x="8552180" y="4085590"/>
-            <a:ext cx="1021715" cy="182880"/>
+            <a:off x="20320" y="1171575"/>
+            <a:ext cx="255905" cy="255905"/>
           </a:xfrm>
           <a:prstGeom prst="rect">
             <a:avLst/>
@@ -5068,9 +7171,9 @@
           <p:nvPr/>
         </p:nvCxnSpPr>
         <p:spPr>
-          <a:xfrm flipV="1">
-            <a:off x="9063355" y="4268470"/>
-            <a:ext cx="3175" cy="692785"/>
+          <a:xfrm flipH="1">
+            <a:off x="276225" y="1419225"/>
+            <a:ext cx="3400425" cy="8255"/>
           </a:xfrm>
           <a:prstGeom prst="straightConnector1">
             <a:avLst/>
@@ -5105,8 +7208,8 @@
         </p:nvSpPr>
         <p:spPr>
           <a:xfrm>
-            <a:off x="8552180" y="4961255"/>
-            <a:ext cx="2876550" cy="368300"/>
+            <a:off x="3676650" y="1239520"/>
+            <a:ext cx="5542915" cy="368300"/>
           </a:xfrm>
           <a:prstGeom prst="rect">
             <a:avLst/>
@@ -5119,12 +7222,28 @@
           </a:bodyPr>
           <a:p>
             <a:r>
+              <a:rPr lang="en-US">
+                <a:solidFill>
+                  <a:srgbClr val="FF0000"/>
+                </a:solidFill>
+              </a:rPr>
+              <a:t>Step 6: </a:t>
+            </a:r>
+            <a:r>
               <a:rPr lang="zh-TW" altLang="en-US">
                 <a:solidFill>
                   <a:srgbClr val="FF0000"/>
                 </a:solidFill>
               </a:rPr>
-              <a:t>可以調整每一頁顯示筆數</a:t>
+              <a:t>點這邊可以看輸出的資料，包含圖與表單</a:t>
+            </a:r>
+            <a:r>
+              <a:rPr lang="zh-TW" altLang="en-US">
+                <a:solidFill>
+                  <a:srgbClr val="FF0000"/>
+                </a:solidFill>
+              </a:rPr>
+              <a:t>。</a:t>
             </a:r>
             <a:endParaRPr lang="zh-TW" altLang="en-US">
               <a:solidFill>
